--- a/Meeating/3D Model Shoes WebSite.pptx
+++ b/Meeating/3D Model Shoes WebSite.pptx
@@ -265,7 +265,7 @@
           <a:p>
             <a:fld id="{236B0F43-81F2-4665-984A-7AEC0857AA0B}" type="datetimeFigureOut">
               <a:rPr lang="ko-KR" altLang="en-US" smtClean="0"/>
-              <a:t>2023-04-27</a:t>
+              <a:t>2023-05-01</a:t>
             </a:fld>
             <a:endParaRPr lang="ko-KR" altLang="en-US"/>
           </a:p>
@@ -463,7 +463,7 @@
           <a:p>
             <a:fld id="{236B0F43-81F2-4665-984A-7AEC0857AA0B}" type="datetimeFigureOut">
               <a:rPr lang="ko-KR" altLang="en-US" smtClean="0"/>
-              <a:t>2023-04-27</a:t>
+              <a:t>2023-05-01</a:t>
             </a:fld>
             <a:endParaRPr lang="ko-KR" altLang="en-US"/>
           </a:p>
@@ -671,7 +671,7 @@
           <a:p>
             <a:fld id="{236B0F43-81F2-4665-984A-7AEC0857AA0B}" type="datetimeFigureOut">
               <a:rPr lang="ko-KR" altLang="en-US" smtClean="0"/>
-              <a:t>2023-04-27</a:t>
+              <a:t>2023-05-01</a:t>
             </a:fld>
             <a:endParaRPr lang="ko-KR" altLang="en-US"/>
           </a:p>
@@ -869,7 +869,7 @@
           <a:p>
             <a:fld id="{236B0F43-81F2-4665-984A-7AEC0857AA0B}" type="datetimeFigureOut">
               <a:rPr lang="ko-KR" altLang="en-US" smtClean="0"/>
-              <a:t>2023-04-27</a:t>
+              <a:t>2023-05-01</a:t>
             </a:fld>
             <a:endParaRPr lang="ko-KR" altLang="en-US"/>
           </a:p>
@@ -1144,7 +1144,7 @@
           <a:p>
             <a:fld id="{236B0F43-81F2-4665-984A-7AEC0857AA0B}" type="datetimeFigureOut">
               <a:rPr lang="ko-KR" altLang="en-US" smtClean="0"/>
-              <a:t>2023-04-27</a:t>
+              <a:t>2023-05-01</a:t>
             </a:fld>
             <a:endParaRPr lang="ko-KR" altLang="en-US"/>
           </a:p>
@@ -1409,7 +1409,7 @@
           <a:p>
             <a:fld id="{236B0F43-81F2-4665-984A-7AEC0857AA0B}" type="datetimeFigureOut">
               <a:rPr lang="ko-KR" altLang="en-US" smtClean="0"/>
-              <a:t>2023-04-27</a:t>
+              <a:t>2023-05-01</a:t>
             </a:fld>
             <a:endParaRPr lang="ko-KR" altLang="en-US"/>
           </a:p>
@@ -1821,7 +1821,7 @@
           <a:p>
             <a:fld id="{236B0F43-81F2-4665-984A-7AEC0857AA0B}" type="datetimeFigureOut">
               <a:rPr lang="ko-KR" altLang="en-US" smtClean="0"/>
-              <a:t>2023-04-27</a:t>
+              <a:t>2023-05-01</a:t>
             </a:fld>
             <a:endParaRPr lang="ko-KR" altLang="en-US"/>
           </a:p>
@@ -1962,7 +1962,7 @@
           <a:p>
             <a:fld id="{236B0F43-81F2-4665-984A-7AEC0857AA0B}" type="datetimeFigureOut">
               <a:rPr lang="ko-KR" altLang="en-US" smtClean="0"/>
-              <a:t>2023-04-27</a:t>
+              <a:t>2023-05-01</a:t>
             </a:fld>
             <a:endParaRPr lang="ko-KR" altLang="en-US"/>
           </a:p>
@@ -2075,7 +2075,7 @@
           <a:p>
             <a:fld id="{236B0F43-81F2-4665-984A-7AEC0857AA0B}" type="datetimeFigureOut">
               <a:rPr lang="ko-KR" altLang="en-US" smtClean="0"/>
-              <a:t>2023-04-27</a:t>
+              <a:t>2023-05-01</a:t>
             </a:fld>
             <a:endParaRPr lang="ko-KR" altLang="en-US"/>
           </a:p>
@@ -2386,7 +2386,7 @@
           <a:p>
             <a:fld id="{236B0F43-81F2-4665-984A-7AEC0857AA0B}" type="datetimeFigureOut">
               <a:rPr lang="ko-KR" altLang="en-US" smtClean="0"/>
-              <a:t>2023-04-27</a:t>
+              <a:t>2023-05-01</a:t>
             </a:fld>
             <a:endParaRPr lang="ko-KR" altLang="en-US"/>
           </a:p>
@@ -2674,7 +2674,7 @@
           <a:p>
             <a:fld id="{236B0F43-81F2-4665-984A-7AEC0857AA0B}" type="datetimeFigureOut">
               <a:rPr lang="ko-KR" altLang="en-US" smtClean="0"/>
-              <a:t>2023-04-27</a:t>
+              <a:t>2023-05-01</a:t>
             </a:fld>
             <a:endParaRPr lang="ko-KR" altLang="en-US"/>
           </a:p>
@@ -2915,7 +2915,7 @@
           <a:p>
             <a:fld id="{236B0F43-81F2-4665-984A-7AEC0857AA0B}" type="datetimeFigureOut">
               <a:rPr lang="ko-KR" altLang="en-US" smtClean="0"/>
-              <a:t>2023-04-27</a:t>
+              <a:t>2023-05-01</a:t>
             </a:fld>
             <a:endParaRPr lang="ko-KR" altLang="en-US"/>
           </a:p>
@@ -3510,7 +3510,7 @@
         </p:blipFill>
         <p:spPr>
           <a:xfrm>
-            <a:off x="454347" y="3473693"/>
+            <a:off x="301947" y="3473693"/>
             <a:ext cx="11283305" cy="3055725"/>
           </a:xfrm>
           <a:prstGeom prst="rect">
@@ -3578,8 +3578,8 @@
           <a:p>
             <a:r>
               <a:rPr lang="ko-KR" altLang="en-US" sz="4800" b="1" dirty="0">
-                <a:latin typeface="배달의민족 한나체 Air OTF" panose="020B0600000101010101" pitchFamily="34" charset="-127"/>
-                <a:ea typeface="배달의민족 한나체 Air OTF" panose="020B0600000101010101" pitchFamily="34" charset="-127"/>
+                <a:latin typeface="나눔스퀘어 네오 OTF Regular" panose="00000500000000000000" pitchFamily="50" charset="-127"/>
+                <a:ea typeface="나눔스퀘어 네오 OTF Regular" panose="00000500000000000000" pitchFamily="50" charset="-127"/>
               </a:rPr>
               <a:t>주제 접근</a:t>
             </a:r>
@@ -3816,13 +3816,6 @@
   <p:clrMapOvr>
     <a:masterClrMapping/>
   </p:clrMapOvr>
-  <p:timing>
-    <p:tnLst>
-      <p:par>
-        <p:cTn id="1" dur="indefinite" restart="never" nodeType="tmRoot"/>
-      </p:par>
-    </p:tnLst>
-  </p:timing>
 </p:sld>
 </file>
 
@@ -3873,8 +3866,8 @@
           <a:p>
             <a:r>
               <a:rPr lang="ko-KR" altLang="en-US" sz="4800" b="1" dirty="0">
-                <a:latin typeface="배달의민족 한나체 Air OTF" panose="020B0600000101010101" pitchFamily="34" charset="-127"/>
-                <a:ea typeface="배달의민족 한나체 Air OTF" panose="020B0600000101010101" pitchFamily="34" charset="-127"/>
+                <a:latin typeface="나눔스퀘어 네오 OTF Regular" panose="00000500000000000000" pitchFamily="50" charset="-127"/>
+                <a:ea typeface="나눔스퀘어 네오 OTF Regular" panose="00000500000000000000" pitchFamily="50" charset="-127"/>
               </a:rPr>
               <a:t>내용 및 기능</a:t>
             </a:r>
@@ -4044,10 +4037,12 @@
           <a:lstStyle/>
           <a:p>
             <a:r>
-              <a:rPr lang="ko-KR" altLang="en-US" dirty="0" smtClean="0"/>
+              <a:rPr lang="ko-KR" altLang="en-US" dirty="0">
+                <a:latin typeface="나눔스퀘어 네오 OTF Regular" panose="00000500000000000000" pitchFamily="50" charset="-127"/>
+                <a:ea typeface="나눔스퀘어 네오 OTF Regular" panose="00000500000000000000" pitchFamily="50" charset="-127"/>
+              </a:rPr>
               <a:t>필요성 및 기대효과</a:t>
             </a:r>
-            <a:endParaRPr lang="ko-KR" altLang="en-US" dirty="0"/>
           </a:p>
         </p:txBody>
       </p:sp>
@@ -4070,7 +4065,7 @@
         <p:spPr>
           <a:xfrm>
             <a:off x="838200" y="1854654"/>
-            <a:ext cx="10515600" cy="4351338"/>
+            <a:ext cx="10515600" cy="3509826"/>
           </a:xfrm>
         </p:spPr>
         <p:txBody>
@@ -4081,33 +4076,47 @@
               <a:buNone/>
             </a:pPr>
             <a:r>
-              <a:rPr lang="ko-KR" altLang="en-US" dirty="0" smtClean="0"/>
+              <a:rPr lang="ko-KR" altLang="en-US" dirty="0">
+                <a:latin typeface="나눔스퀘어 네오 OTF Regular" panose="00000500000000000000" pitchFamily="50" charset="-127"/>
+                <a:ea typeface="나눔스퀘어 네오 OTF Regular" panose="00000500000000000000" pitchFamily="50" charset="-127"/>
+              </a:rPr>
               <a:t>기대효과</a:t>
             </a:r>
-            <a:endParaRPr lang="en-US" altLang="ko-KR" dirty="0" smtClean="0"/>
+            <a:endParaRPr lang="en-US" altLang="ko-KR" dirty="0">
+              <a:latin typeface="나눔스퀘어 네오 OTF Regular" panose="00000500000000000000" pitchFamily="50" charset="-127"/>
+              <a:ea typeface="나눔스퀘어 네오 OTF Regular" panose="00000500000000000000" pitchFamily="50" charset="-127"/>
+            </a:endParaRPr>
           </a:p>
           <a:p>
             <a:pPr marL="514350" indent="-514350">
               <a:buAutoNum type="arabicPeriod"/>
             </a:pPr>
             <a:r>
-              <a:rPr lang="ko-KR" altLang="en-US" dirty="0" smtClean="0"/>
+              <a:rPr lang="ko-KR" altLang="en-US" dirty="0">
+                <a:latin typeface="나눔스퀘어 네오 OTF Regular" panose="00000500000000000000" pitchFamily="50" charset="-127"/>
+                <a:ea typeface="나눔스퀘어 네오 OTF Regular" panose="00000500000000000000" pitchFamily="50" charset="-127"/>
+              </a:rPr>
               <a:t>기존의 </a:t>
             </a:r>
             <a:r>
-              <a:rPr lang="en-US" altLang="ko-KR" dirty="0" smtClean="0"/>
+              <a:rPr lang="en-US" altLang="ko-KR" dirty="0">
+                <a:latin typeface="나눔스퀘어 네오 OTF Regular" panose="00000500000000000000" pitchFamily="50" charset="-127"/>
+                <a:ea typeface="나눔스퀘어 네오 OTF Regular" panose="00000500000000000000" pitchFamily="50" charset="-127"/>
+              </a:rPr>
               <a:t>2D </a:t>
             </a:r>
             <a:r>
-              <a:rPr lang="ko-KR" altLang="en-US" dirty="0" smtClean="0"/>
-              <a:t>쇼핑몰 보다 훨</a:t>
-            </a:r>
-            <a:r>
-              <a:rPr lang="ko-KR" altLang="en-US" dirty="0" smtClean="0"/>
-              <a:t>씬 더 신발을 다양한 각도에서 생동감 있게 볼 수 있다</a:t>
-            </a:r>
-            <a:r>
-              <a:rPr lang="en-US" altLang="ko-KR" dirty="0" smtClean="0"/>
+              <a:rPr lang="ko-KR" altLang="en-US" dirty="0">
+                <a:latin typeface="나눔스퀘어 네오 OTF Regular" panose="00000500000000000000" pitchFamily="50" charset="-127"/>
+                <a:ea typeface="나눔스퀘어 네오 OTF Regular" panose="00000500000000000000" pitchFamily="50" charset="-127"/>
+              </a:rPr>
+              <a:t>쇼핑몰 보다 훨씬 더 신발을 다양한 각도에서 생동감 있게 볼 수 있다</a:t>
+            </a:r>
+            <a:r>
+              <a:rPr lang="en-US" altLang="ko-KR" dirty="0">
+                <a:latin typeface="나눔스퀘어 네오 OTF Regular" panose="00000500000000000000" pitchFamily="50" charset="-127"/>
+                <a:ea typeface="나눔스퀘어 네오 OTF Regular" panose="00000500000000000000" pitchFamily="50" charset="-127"/>
+              </a:rPr>
               <a:t>. </a:t>
             </a:r>
           </a:p>
@@ -4116,19 +4125,31 @@
               <a:buAutoNum type="arabicPeriod"/>
             </a:pPr>
             <a:r>
-              <a:rPr lang="ko-KR" altLang="en-US" dirty="0" smtClean="0"/>
+              <a:rPr lang="ko-KR" altLang="en-US" dirty="0">
+                <a:latin typeface="나눔스퀘어 네오 OTF Regular" panose="00000500000000000000" pitchFamily="50" charset="-127"/>
+                <a:ea typeface="나눔스퀘어 네오 OTF Regular" panose="00000500000000000000" pitchFamily="50" charset="-127"/>
+              </a:rPr>
               <a:t>재미가 있다</a:t>
             </a:r>
             <a:r>
-              <a:rPr lang="en-US" altLang="ko-KR" dirty="0" smtClean="0"/>
+              <a:rPr lang="en-US" altLang="ko-KR" dirty="0">
+                <a:latin typeface="나눔스퀘어 네오 OTF Regular" panose="00000500000000000000" pitchFamily="50" charset="-127"/>
+                <a:ea typeface="나눔스퀘어 네오 OTF Regular" panose="00000500000000000000" pitchFamily="50" charset="-127"/>
+              </a:rPr>
               <a:t>. (</a:t>
             </a:r>
             <a:r>
-              <a:rPr lang="ko-KR" altLang="en-US" dirty="0" smtClean="0"/>
+              <a:rPr lang="ko-KR" altLang="en-US" dirty="0">
+                <a:latin typeface="나눔스퀘어 네오 OTF Regular" panose="00000500000000000000" pitchFamily="50" charset="-127"/>
+                <a:ea typeface="나눔스퀘어 네오 OTF Regular" panose="00000500000000000000" pitchFamily="50" charset="-127"/>
+              </a:rPr>
               <a:t>신발을 다양한 각도로 돌리면서</a:t>
             </a:r>
             <a:r>
-              <a:rPr lang="en-US" altLang="ko-KR" dirty="0" smtClean="0"/>
+              <a:rPr lang="en-US" altLang="ko-KR" dirty="0">
+                <a:latin typeface="나눔스퀘어 네오 OTF Regular" panose="00000500000000000000" pitchFamily="50" charset="-127"/>
+                <a:ea typeface="나눔스퀘어 네오 OTF Regular" panose="00000500000000000000" pitchFamily="50" charset="-127"/>
+              </a:rPr>
               <a:t>.)</a:t>
             </a:r>
           </a:p>
@@ -4136,58 +4157,82 @@
             <a:pPr marL="514350" indent="-514350">
               <a:buAutoNum type="arabicPeriod"/>
             </a:pPr>
-            <a:endParaRPr lang="en-US" altLang="ko-KR" dirty="0"/>
+            <a:endParaRPr lang="en-US" altLang="ko-KR" dirty="0">
+              <a:latin typeface="나눔스퀘어 네오 OTF Regular" panose="00000500000000000000" pitchFamily="50" charset="-127"/>
+              <a:ea typeface="나눔스퀘어 네오 OTF Regular" panose="00000500000000000000" pitchFamily="50" charset="-127"/>
+            </a:endParaRPr>
           </a:p>
           <a:p>
             <a:pPr marL="0" indent="0">
               <a:buNone/>
             </a:pPr>
             <a:r>
-              <a:rPr lang="ko-KR" altLang="en-US" dirty="0" smtClean="0"/>
+              <a:rPr lang="ko-KR" altLang="en-US" dirty="0">
+                <a:latin typeface="나눔스퀘어 네오 OTF Regular" panose="00000500000000000000" pitchFamily="50" charset="-127"/>
+                <a:ea typeface="나눔스퀘어 네오 OTF Regular" panose="00000500000000000000" pitchFamily="50" charset="-127"/>
+              </a:rPr>
               <a:t>필요성</a:t>
             </a:r>
-            <a:endParaRPr lang="en-US" altLang="ko-KR" dirty="0" smtClean="0"/>
+            <a:endParaRPr lang="en-US" altLang="ko-KR" dirty="0">
+              <a:latin typeface="나눔스퀘어 네오 OTF Regular" panose="00000500000000000000" pitchFamily="50" charset="-127"/>
+              <a:ea typeface="나눔스퀘어 네오 OTF Regular" panose="00000500000000000000" pitchFamily="50" charset="-127"/>
+            </a:endParaRPr>
           </a:p>
           <a:p>
             <a:pPr marL="514350" indent="-514350">
               <a:buAutoNum type="arabicPeriod"/>
             </a:pPr>
             <a:r>
-              <a:rPr lang="ko-KR" altLang="en-US" dirty="0" smtClean="0"/>
+              <a:rPr lang="ko-KR" altLang="en-US" dirty="0">
+                <a:latin typeface="나눔스퀘어 네오 OTF Regular" panose="00000500000000000000" pitchFamily="50" charset="-127"/>
+                <a:ea typeface="나눔스퀘어 네오 OTF Regular" panose="00000500000000000000" pitchFamily="50" charset="-127"/>
+              </a:rPr>
               <a:t>기존의 신발 쇼핑몰은 </a:t>
             </a:r>
             <a:r>
-              <a:rPr lang="en-US" altLang="ko-KR" dirty="0" smtClean="0"/>
+              <a:rPr lang="en-US" altLang="ko-KR" dirty="0">
+                <a:latin typeface="나눔스퀘어 네오 OTF Regular" panose="00000500000000000000" pitchFamily="50" charset="-127"/>
+                <a:ea typeface="나눔스퀘어 네오 OTF Regular" panose="00000500000000000000" pitchFamily="50" charset="-127"/>
+              </a:rPr>
               <a:t>2D </a:t>
             </a:r>
             <a:r>
-              <a:rPr lang="ko-KR" altLang="en-US" dirty="0" smtClean="0"/>
+              <a:rPr lang="ko-KR" altLang="en-US" dirty="0">
+                <a:latin typeface="나눔스퀘어 네오 OTF Regular" panose="00000500000000000000" pitchFamily="50" charset="-127"/>
+                <a:ea typeface="나눔스퀘어 네오 OTF Regular" panose="00000500000000000000" pitchFamily="50" charset="-127"/>
+              </a:rPr>
               <a:t>밖에 없다</a:t>
             </a:r>
             <a:r>
-              <a:rPr lang="en-US" altLang="ko-KR" dirty="0" smtClean="0"/>
+              <a:rPr lang="en-US" altLang="ko-KR" dirty="0">
+                <a:latin typeface="나눔스퀘어 네오 OTF Regular" panose="00000500000000000000" pitchFamily="50" charset="-127"/>
+                <a:ea typeface="나눔스퀘어 네오 OTF Regular" panose="00000500000000000000" pitchFamily="50" charset="-127"/>
+              </a:rPr>
               <a:t>. (</a:t>
             </a:r>
             <a:r>
-              <a:rPr lang="ko-KR" altLang="en-US" dirty="0" smtClean="0"/>
+              <a:rPr lang="ko-KR" altLang="en-US" dirty="0">
+                <a:latin typeface="나눔스퀘어 네오 OTF Regular" panose="00000500000000000000" pitchFamily="50" charset="-127"/>
+                <a:ea typeface="나눔스퀘어 네오 OTF Regular" panose="00000500000000000000" pitchFamily="50" charset="-127"/>
+              </a:rPr>
               <a:t>쇼핑만 했다</a:t>
             </a:r>
             <a:r>
-              <a:rPr lang="en-US" altLang="ko-KR" dirty="0" smtClean="0"/>
+              <a:rPr lang="en-US" altLang="ko-KR" dirty="0">
+                <a:latin typeface="나눔스퀘어 네오 OTF Regular" panose="00000500000000000000" pitchFamily="50" charset="-127"/>
+                <a:ea typeface="나눔스퀘어 네오 OTF Regular" panose="00000500000000000000" pitchFamily="50" charset="-127"/>
+              </a:rPr>
               <a:t>.)</a:t>
             </a:r>
           </a:p>
           <a:p>
-            <a:pPr marL="514350" indent="-514350">
-              <a:buAutoNum type="arabicPeriod"/>
+            <a:pPr marL="0" indent="0">
+              <a:buNone/>
             </a:pPr>
-            <a:endParaRPr lang="en-US" altLang="ko-KR" dirty="0" smtClean="0"/>
-          </a:p>
-          <a:p>
-            <a:pPr marL="0" indent="0">
-              <a:buNone/>
-            </a:pPr>
-            <a:endParaRPr lang="en-US" altLang="ko-KR" dirty="0" smtClean="0"/>
+            <a:endParaRPr lang="en-US" altLang="ko-KR" dirty="0">
+              <a:latin typeface="나눔스퀘어 네오 OTF Regular" panose="00000500000000000000" pitchFamily="50" charset="-127"/>
+              <a:ea typeface="나눔스퀘어 네오 OTF Regular" panose="00000500000000000000" pitchFamily="50" charset="-127"/>
+            </a:endParaRPr>
           </a:p>
         </p:txBody>
       </p:sp>
@@ -4201,13 +4246,6 @@
   <p:clrMapOvr>
     <a:masterClrMapping/>
   </p:clrMapOvr>
-  <p:timing>
-    <p:tnLst>
-      <p:par>
-        <p:cTn id="1" dur="indefinite" restart="never" nodeType="tmRoot"/>
-      </p:par>
-    </p:tnLst>
-  </p:timing>
 </p:sld>
 </file>
 
@@ -4238,148 +4276,208 @@
             <p:ph type="title"/>
           </p:nvPr>
         </p:nvSpPr>
-        <p:spPr/>
-        <p:txBody>
-          <a:bodyPr/>
-          <a:lstStyle/>
-          <a:p>
-            <a:r>
-              <a:rPr lang="ko-KR" altLang="en-US" dirty="0" smtClean="0"/>
-              <a:t>개발환경</a:t>
-            </a:r>
-            <a:endParaRPr lang="ko-KR" altLang="en-US" dirty="0"/>
-          </a:p>
-        </p:txBody>
-      </p:sp>
-      <p:sp>
-        <p:nvSpPr>
-          <p:cNvPr id="3" name="내용 개체 틀 2"/>
-          <p:cNvSpPr>
-            <a:spLocks noGrp="1"/>
-          </p:cNvSpPr>
-          <p:nvPr>
-            <p:ph idx="1"/>
-          </p:nvPr>
-        </p:nvSpPr>
-        <p:spPr/>
-        <p:txBody>
-          <a:bodyPr/>
-          <a:lstStyle/>
-          <a:p>
-            <a:pPr marL="0" indent="0">
-              <a:buNone/>
-            </a:pPr>
-            <a:r>
-              <a:rPr lang="en-US" altLang="ko-KR" dirty="0" smtClean="0"/>
-              <a:t>API : </a:t>
-            </a:r>
-            <a:r>
-              <a:rPr lang="ko-KR" altLang="en-US" dirty="0" smtClean="0"/>
-              <a:t>추천 알고리즘 </a:t>
-            </a:r>
-            <a:r>
-              <a:rPr lang="en-US" altLang="ko-KR" dirty="0" smtClean="0"/>
-              <a:t>API, </a:t>
-            </a:r>
-            <a:r>
-              <a:rPr lang="en-US" altLang="ko-KR" dirty="0" err="1" smtClean="0"/>
-              <a:t>SketchFab</a:t>
-            </a:r>
-            <a:r>
-              <a:rPr lang="en-US" altLang="ko-KR" dirty="0" smtClean="0"/>
-              <a:t> 3D Viewer API, </a:t>
-            </a:r>
-            <a:r>
-              <a:rPr lang="en-US" altLang="ko-KR" dirty="0" err="1" smtClean="0"/>
-              <a:t>BootStrap</a:t>
-            </a:r>
-            <a:r>
-              <a:rPr lang="en-US" altLang="ko-KR" dirty="0" smtClean="0"/>
-              <a:t>, REST API</a:t>
-            </a:r>
-          </a:p>
-          <a:p>
-            <a:pPr marL="0" indent="0">
-              <a:buNone/>
-            </a:pPr>
-            <a:endParaRPr lang="en-US" altLang="ko-KR" dirty="0"/>
-          </a:p>
-          <a:p>
-            <a:pPr marL="0" indent="0">
-              <a:buNone/>
-            </a:pPr>
-            <a:endParaRPr lang="ko-KR" altLang="en-US" dirty="0"/>
-          </a:p>
-        </p:txBody>
-      </p:sp>
-      <p:pic>
-        <p:nvPicPr>
-          <p:cNvPr id="4" name="그림 3"/>
-          <p:cNvPicPr>
-            <a:picLocks noChangeAspect="1"/>
-          </p:cNvPicPr>
-          <p:nvPr/>
-        </p:nvPicPr>
-        <p:blipFill>
-          <a:blip r:embed="rId2"/>
-          <a:stretch>
-            <a:fillRect/>
-          </a:stretch>
-        </p:blipFill>
         <p:spPr>
           <a:xfrm>
-            <a:off x="3141533" y="2616810"/>
-            <a:ext cx="8212267" cy="3947916"/>
+            <a:off x="402771" y="293274"/>
+            <a:ext cx="10515600" cy="1325563"/>
           </a:xfrm>
-          <a:prstGeom prst="rect">
-            <a:avLst/>
-          </a:prstGeom>
         </p:spPr>
-      </p:pic>
-      <p:sp>
-        <p:nvSpPr>
-          <p:cNvPr id="5" name="직사각형 4"/>
-          <p:cNvSpPr/>
-          <p:nvPr/>
+        <p:txBody>
+          <a:bodyPr/>
+          <a:lstStyle/>
+          <a:p>
+            <a:r>
+              <a:rPr lang="ko-KR" altLang="en-US" dirty="0">
+                <a:latin typeface="나눔스퀘어 네오 OTF Regular" panose="00000500000000000000" pitchFamily="50" charset="-127"/>
+                <a:ea typeface="나눔스퀘어 네오 OTF Regular" panose="00000500000000000000" pitchFamily="50" charset="-127"/>
+              </a:rPr>
+              <a:t>개발환경</a:t>
+            </a:r>
+          </a:p>
+        </p:txBody>
+      </p:sp>
+      <p:sp>
+        <p:nvSpPr>
+          <p:cNvPr id="3" name="내용 개체 틀 2"/>
+          <p:cNvSpPr>
+            <a:spLocks noGrp="1"/>
+          </p:cNvSpPr>
+          <p:nvPr>
+            <p:ph idx="1"/>
+          </p:nvPr>
         </p:nvSpPr>
         <p:spPr>
           <a:xfrm>
-            <a:off x="7010400" y="5428343"/>
-            <a:ext cx="1117600" cy="406400"/>
+            <a:off x="515983" y="1618837"/>
+            <a:ext cx="10515600" cy="4351338"/>
           </a:xfrm>
-          <a:prstGeom prst="rect">
-            <a:avLst/>
-          </a:prstGeom>
         </p:spPr>
-        <p:style>
-          <a:lnRef idx="2">
-            <a:schemeClr val="accent1">
-              <a:shade val="50000"/>
-            </a:schemeClr>
-          </a:lnRef>
-          <a:fillRef idx="1">
-            <a:schemeClr val="accent1"/>
-          </a:fillRef>
-          <a:effectRef idx="0">
-            <a:schemeClr val="accent1"/>
-          </a:effectRef>
-          <a:fontRef idx="minor">
-            <a:schemeClr val="lt1"/>
-          </a:fontRef>
-        </p:style>
-        <p:txBody>
-          <a:bodyPr rtlCol="0" anchor="ctr"/>
-          <a:lstStyle/>
-          <a:p>
-            <a:pPr algn="ctr"/>
-            <a:r>
-              <a:rPr lang="en-US" altLang="ko-KR" dirty="0" smtClean="0"/>
-              <a:t>Node.js</a:t>
-            </a:r>
-            <a:endParaRPr lang="ko-KR" altLang="en-US" dirty="0"/>
-          </a:p>
-        </p:txBody>
-      </p:sp>
+        <p:txBody>
+          <a:bodyPr/>
+          <a:lstStyle/>
+          <a:p>
+            <a:pPr marL="0" indent="0">
+              <a:buNone/>
+            </a:pPr>
+            <a:r>
+              <a:rPr lang="en-US" altLang="ko-KR" dirty="0">
+                <a:latin typeface="나눔스퀘어 네오 OTF Regular" panose="00000500000000000000" pitchFamily="50" charset="-127"/>
+                <a:ea typeface="나눔스퀘어 네오 OTF Regular" panose="00000500000000000000" pitchFamily="50" charset="-127"/>
+              </a:rPr>
+              <a:t>API : </a:t>
+            </a:r>
+            <a:r>
+              <a:rPr lang="ko-KR" altLang="en-US" dirty="0">
+                <a:latin typeface="나눔스퀘어 네오 OTF Regular" panose="00000500000000000000" pitchFamily="50" charset="-127"/>
+                <a:ea typeface="나눔스퀘어 네오 OTF Regular" panose="00000500000000000000" pitchFamily="50" charset="-127"/>
+              </a:rPr>
+              <a:t>추천 알고리즘 </a:t>
+            </a:r>
+            <a:r>
+              <a:rPr lang="en-US" altLang="ko-KR" dirty="0">
+                <a:latin typeface="나눔스퀘어 네오 OTF Regular" panose="00000500000000000000" pitchFamily="50" charset="-127"/>
+                <a:ea typeface="나눔스퀘어 네오 OTF Regular" panose="00000500000000000000" pitchFamily="50" charset="-127"/>
+              </a:rPr>
+              <a:t>API, </a:t>
+            </a:r>
+            <a:r>
+              <a:rPr lang="en-US" altLang="ko-KR" dirty="0" err="1">
+                <a:latin typeface="나눔스퀘어 네오 OTF Regular" panose="00000500000000000000" pitchFamily="50" charset="-127"/>
+                <a:ea typeface="나눔스퀘어 네오 OTF Regular" panose="00000500000000000000" pitchFamily="50" charset="-127"/>
+              </a:rPr>
+              <a:t>SketchFab</a:t>
+            </a:r>
+            <a:r>
+              <a:rPr lang="en-US" altLang="ko-KR" dirty="0">
+                <a:latin typeface="나눔스퀘어 네오 OTF Regular" panose="00000500000000000000" pitchFamily="50" charset="-127"/>
+                <a:ea typeface="나눔스퀘어 네오 OTF Regular" panose="00000500000000000000" pitchFamily="50" charset="-127"/>
+              </a:rPr>
+              <a:t> 3D Viewer API, </a:t>
+            </a:r>
+            <a:r>
+              <a:rPr lang="en-US" altLang="ko-KR" dirty="0" err="1">
+                <a:latin typeface="나눔스퀘어 네오 OTF Regular" panose="00000500000000000000" pitchFamily="50" charset="-127"/>
+                <a:ea typeface="나눔스퀘어 네오 OTF Regular" panose="00000500000000000000" pitchFamily="50" charset="-127"/>
+              </a:rPr>
+              <a:t>BootStrap</a:t>
+            </a:r>
+            <a:r>
+              <a:rPr lang="en-US" altLang="ko-KR" dirty="0">
+                <a:latin typeface="나눔스퀘어 네오 OTF Regular" panose="00000500000000000000" pitchFamily="50" charset="-127"/>
+                <a:ea typeface="나눔스퀘어 네오 OTF Regular" panose="00000500000000000000" pitchFamily="50" charset="-127"/>
+              </a:rPr>
+              <a:t>, REST API</a:t>
+            </a:r>
+          </a:p>
+          <a:p>
+            <a:pPr marL="0" indent="0">
+              <a:buNone/>
+            </a:pPr>
+            <a:endParaRPr lang="en-US" altLang="ko-KR" dirty="0">
+              <a:latin typeface="나눔스퀘어 네오 OTF Regular" panose="00000500000000000000" pitchFamily="50" charset="-127"/>
+              <a:ea typeface="나눔스퀘어 네오 OTF Regular" panose="00000500000000000000" pitchFamily="50" charset="-127"/>
+            </a:endParaRPr>
+          </a:p>
+          <a:p>
+            <a:pPr marL="0" indent="0">
+              <a:buNone/>
+            </a:pPr>
+            <a:endParaRPr lang="ko-KR" altLang="en-US" dirty="0">
+              <a:latin typeface="나눔스퀘어 네오 OTF Regular" panose="00000500000000000000" pitchFamily="50" charset="-127"/>
+              <a:ea typeface="나눔스퀘어 네오 OTF Regular" panose="00000500000000000000" pitchFamily="50" charset="-127"/>
+            </a:endParaRPr>
+          </a:p>
+        </p:txBody>
+      </p:sp>
+      <p:grpSp>
+        <p:nvGrpSpPr>
+          <p:cNvPr id="6" name="그룹 5">
+            <a:extLst>
+              <a:ext uri="{FF2B5EF4-FFF2-40B4-BE49-F238E27FC236}">
+                <a16:creationId xmlns:a16="http://schemas.microsoft.com/office/drawing/2014/main" id="{77BDBB30-A0E2-56EA-9D12-5A6F89BE3345}"/>
+              </a:ext>
+            </a:extLst>
+          </p:cNvPr>
+          <p:cNvGrpSpPr/>
+          <p:nvPr/>
+        </p:nvGrpSpPr>
+        <p:grpSpPr>
+          <a:xfrm>
+            <a:off x="2658292" y="2751354"/>
+            <a:ext cx="7678783" cy="3691452"/>
+            <a:chOff x="3622766" y="2873274"/>
+            <a:chExt cx="7678783" cy="3691452"/>
+          </a:xfrm>
+        </p:grpSpPr>
+        <p:pic>
+          <p:nvPicPr>
+            <p:cNvPr id="4" name="그림 3"/>
+            <p:cNvPicPr>
+              <a:picLocks noChangeAspect="1"/>
+            </p:cNvPicPr>
+            <p:nvPr/>
+          </p:nvPicPr>
+          <p:blipFill>
+            <a:blip r:embed="rId2"/>
+            <a:stretch>
+              <a:fillRect/>
+            </a:stretch>
+          </p:blipFill>
+          <p:spPr>
+            <a:xfrm>
+              <a:off x="3622766" y="2873274"/>
+              <a:ext cx="7678783" cy="3691452"/>
+            </a:xfrm>
+            <a:prstGeom prst="rect">
+              <a:avLst/>
+            </a:prstGeom>
+          </p:spPr>
+        </p:pic>
+        <p:sp>
+          <p:nvSpPr>
+            <p:cNvPr id="5" name="직사각형 4"/>
+            <p:cNvSpPr/>
+            <p:nvPr/>
+          </p:nvSpPr>
+          <p:spPr>
+            <a:xfrm>
+              <a:off x="7141029" y="5489303"/>
+              <a:ext cx="1117600" cy="406400"/>
+            </a:xfrm>
+            <a:prstGeom prst="rect">
+              <a:avLst/>
+            </a:prstGeom>
+          </p:spPr>
+          <p:style>
+            <a:lnRef idx="2">
+              <a:schemeClr val="accent1">
+                <a:shade val="50000"/>
+              </a:schemeClr>
+            </a:lnRef>
+            <a:fillRef idx="1">
+              <a:schemeClr val="accent1"/>
+            </a:fillRef>
+            <a:effectRef idx="0">
+              <a:schemeClr val="accent1"/>
+            </a:effectRef>
+            <a:fontRef idx="minor">
+              <a:schemeClr val="lt1"/>
+            </a:fontRef>
+          </p:style>
+          <p:txBody>
+            <a:bodyPr rtlCol="0" anchor="ctr"/>
+            <a:lstStyle/>
+            <a:p>
+              <a:pPr algn="ctr"/>
+              <a:r>
+                <a:rPr lang="en-US" altLang="ko-KR" dirty="0"/>
+                <a:t>Node.js</a:t>
+              </a:r>
+              <a:endParaRPr lang="ko-KR" altLang="en-US" dirty="0"/>
+            </a:p>
+          </p:txBody>
+        </p:sp>
+      </p:grpSp>
     </p:spTree>
     <p:extLst>
       <p:ext uri="{BB962C8B-B14F-4D97-AF65-F5344CB8AC3E}">
@@ -4390,13 +4488,6 @@
   <p:clrMapOvr>
     <a:masterClrMapping/>
   </p:clrMapOvr>
-  <p:timing>
-    <p:tnLst>
-      <p:par>
-        <p:cTn id="1" dur="indefinite" restart="never" nodeType="tmRoot"/>
-      </p:par>
-    </p:tnLst>
-  </p:timing>
 </p:sld>
 </file>
 
@@ -4433,10 +4524,12 @@
           <a:lstStyle/>
           <a:p>
             <a:r>
-              <a:rPr lang="ko-KR" altLang="en-US" dirty="0" smtClean="0"/>
+              <a:rPr lang="ko-KR" altLang="en-US" dirty="0">
+                <a:latin typeface="나눔스퀘어 네오 OTF Regular" panose="00000500000000000000" pitchFamily="50" charset="-127"/>
+                <a:ea typeface="나눔스퀘어 네오 OTF Regular" panose="00000500000000000000" pitchFamily="50" charset="-127"/>
+              </a:rPr>
               <a:t>업무분장</a:t>
             </a:r>
-            <a:endParaRPr lang="ko-KR" altLang="en-US" dirty="0"/>
           </a:p>
         </p:txBody>
       </p:sp>
@@ -4464,88 +4557,148 @@
               <a:buNone/>
             </a:pPr>
             <a:r>
-              <a:rPr lang="ko-KR" altLang="en-US" dirty="0" smtClean="0"/>
+              <a:rPr lang="ko-KR" altLang="en-US" dirty="0">
+                <a:latin typeface="나눔스퀘어 네오 OTF Regular" panose="00000500000000000000" pitchFamily="50" charset="-127"/>
+                <a:ea typeface="나눔스퀘어 네오 OTF Regular" panose="00000500000000000000" pitchFamily="50" charset="-127"/>
+              </a:rPr>
               <a:t>백 </a:t>
             </a:r>
             <a:r>
-              <a:rPr lang="ko-KR" altLang="en-US" dirty="0" err="1" smtClean="0"/>
+              <a:rPr lang="ko-KR" altLang="en-US" dirty="0" err="1">
+                <a:latin typeface="나눔스퀘어 네오 OTF Regular" panose="00000500000000000000" pitchFamily="50" charset="-127"/>
+                <a:ea typeface="나눔스퀘어 네오 OTF Regular" panose="00000500000000000000" pitchFamily="50" charset="-127"/>
+              </a:rPr>
               <a:t>엔드</a:t>
             </a:r>
             <a:r>
-              <a:rPr lang="ko-KR" altLang="en-US" dirty="0" smtClean="0"/>
+              <a:rPr lang="ko-KR" altLang="en-US" dirty="0">
+                <a:latin typeface="나눔스퀘어 네오 OTF Regular" panose="00000500000000000000" pitchFamily="50" charset="-127"/>
+                <a:ea typeface="나눔스퀘어 네오 OTF Regular" panose="00000500000000000000" pitchFamily="50" charset="-127"/>
+              </a:rPr>
               <a:t> </a:t>
             </a:r>
             <a:r>
-              <a:rPr lang="en-US" altLang="ko-KR" dirty="0" smtClean="0"/>
+              <a:rPr lang="en-US" altLang="ko-KR" dirty="0">
+                <a:latin typeface="나눔스퀘어 네오 OTF Regular" panose="00000500000000000000" pitchFamily="50" charset="-127"/>
+                <a:ea typeface="나눔스퀘어 네오 OTF Regular" panose="00000500000000000000" pitchFamily="50" charset="-127"/>
+              </a:rPr>
               <a:t>: </a:t>
             </a:r>
             <a:r>
-              <a:rPr lang="ko-KR" altLang="en-US" dirty="0" smtClean="0"/>
+              <a:rPr lang="ko-KR" altLang="en-US" dirty="0">
+                <a:latin typeface="나눔스퀘어 네오 OTF Regular" panose="00000500000000000000" pitchFamily="50" charset="-127"/>
+                <a:ea typeface="나눔스퀘어 네오 OTF Regular" panose="00000500000000000000" pitchFamily="50" charset="-127"/>
+              </a:rPr>
               <a:t>박종현</a:t>
             </a:r>
             <a:r>
-              <a:rPr lang="en-US" altLang="ko-KR" dirty="0" smtClean="0"/>
+              <a:rPr lang="en-US" altLang="ko-KR" dirty="0">
+                <a:latin typeface="나눔스퀘어 네오 OTF Regular" panose="00000500000000000000" pitchFamily="50" charset="-127"/>
+                <a:ea typeface="나눔스퀘어 네오 OTF Regular" panose="00000500000000000000" pitchFamily="50" charset="-127"/>
+              </a:rPr>
               <a:t>, </a:t>
             </a:r>
             <a:r>
-              <a:rPr lang="ko-KR" altLang="en-US" dirty="0" smtClean="0"/>
+              <a:rPr lang="ko-KR" altLang="en-US" dirty="0">
+                <a:latin typeface="나눔스퀘어 네오 OTF Regular" panose="00000500000000000000" pitchFamily="50" charset="-127"/>
+                <a:ea typeface="나눔스퀘어 네오 OTF Regular" panose="00000500000000000000" pitchFamily="50" charset="-127"/>
+              </a:rPr>
               <a:t>김태욱</a:t>
             </a:r>
-            <a:endParaRPr lang="en-US" altLang="ko-KR" dirty="0" smtClean="0"/>
+            <a:endParaRPr lang="en-US" altLang="ko-KR" dirty="0">
+              <a:latin typeface="나눔스퀘어 네오 OTF Regular" panose="00000500000000000000" pitchFamily="50" charset="-127"/>
+              <a:ea typeface="나눔스퀘어 네오 OTF Regular" panose="00000500000000000000" pitchFamily="50" charset="-127"/>
+            </a:endParaRPr>
           </a:p>
           <a:p>
             <a:pPr marL="0" indent="0">
               <a:buNone/>
             </a:pPr>
             <a:r>
-              <a:rPr lang="ko-KR" altLang="en-US" dirty="0" smtClean="0"/>
+              <a:rPr lang="ko-KR" altLang="en-US" dirty="0">
+                <a:latin typeface="나눔스퀘어 네오 OTF Regular" panose="00000500000000000000" pitchFamily="50" charset="-127"/>
+                <a:ea typeface="나눔스퀘어 네오 OTF Regular" panose="00000500000000000000" pitchFamily="50" charset="-127"/>
+              </a:rPr>
               <a:t>프론트 </a:t>
             </a:r>
             <a:r>
-              <a:rPr lang="ko-KR" altLang="en-US" dirty="0" err="1" smtClean="0"/>
+              <a:rPr lang="ko-KR" altLang="en-US" dirty="0" err="1">
+                <a:latin typeface="나눔스퀘어 네오 OTF Regular" panose="00000500000000000000" pitchFamily="50" charset="-127"/>
+                <a:ea typeface="나눔스퀘어 네오 OTF Regular" panose="00000500000000000000" pitchFamily="50" charset="-127"/>
+              </a:rPr>
               <a:t>엔드</a:t>
             </a:r>
             <a:r>
-              <a:rPr lang="ko-KR" altLang="en-US" dirty="0" smtClean="0"/>
+              <a:rPr lang="ko-KR" altLang="en-US" dirty="0">
+                <a:latin typeface="나눔스퀘어 네오 OTF Regular" panose="00000500000000000000" pitchFamily="50" charset="-127"/>
+                <a:ea typeface="나눔스퀘어 네오 OTF Regular" panose="00000500000000000000" pitchFamily="50" charset="-127"/>
+              </a:rPr>
               <a:t> </a:t>
             </a:r>
             <a:r>
-              <a:rPr lang="en-US" altLang="ko-KR" dirty="0" smtClean="0"/>
+              <a:rPr lang="en-US" altLang="ko-KR" dirty="0">
+                <a:latin typeface="나눔스퀘어 네오 OTF Regular" panose="00000500000000000000" pitchFamily="50" charset="-127"/>
+                <a:ea typeface="나눔스퀘어 네오 OTF Regular" panose="00000500000000000000" pitchFamily="50" charset="-127"/>
+              </a:rPr>
               <a:t>: </a:t>
             </a:r>
             <a:r>
-              <a:rPr lang="ko-KR" altLang="en-US" dirty="0" err="1" smtClean="0"/>
+              <a:rPr lang="ko-KR" altLang="en-US" dirty="0" err="1">
+                <a:latin typeface="나눔스퀘어 네오 OTF Regular" panose="00000500000000000000" pitchFamily="50" charset="-127"/>
+                <a:ea typeface="나눔스퀘어 네오 OTF Regular" panose="00000500000000000000" pitchFamily="50" charset="-127"/>
+              </a:rPr>
               <a:t>강준성</a:t>
             </a:r>
             <a:r>
-              <a:rPr lang="en-US" altLang="ko-KR" dirty="0" smtClean="0"/>
+              <a:rPr lang="en-US" altLang="ko-KR" dirty="0">
+                <a:latin typeface="나눔스퀘어 네오 OTF Regular" panose="00000500000000000000" pitchFamily="50" charset="-127"/>
+                <a:ea typeface="나눔스퀘어 네오 OTF Regular" panose="00000500000000000000" pitchFamily="50" charset="-127"/>
+              </a:rPr>
               <a:t>, </a:t>
             </a:r>
             <a:r>
-              <a:rPr lang="ko-KR" altLang="en-US" dirty="0" smtClean="0"/>
+              <a:rPr lang="ko-KR" altLang="en-US" dirty="0">
+                <a:latin typeface="나눔스퀘어 네오 OTF Regular" panose="00000500000000000000" pitchFamily="50" charset="-127"/>
+                <a:ea typeface="나눔스퀘어 네오 OTF Regular" panose="00000500000000000000" pitchFamily="50" charset="-127"/>
+              </a:rPr>
               <a:t>박형근</a:t>
             </a:r>
             <a:r>
-              <a:rPr lang="en-US" altLang="ko-KR" dirty="0" smtClean="0"/>
+              <a:rPr lang="en-US" altLang="ko-KR" dirty="0">
+                <a:latin typeface="나눔스퀘어 네오 OTF Regular" panose="00000500000000000000" pitchFamily="50" charset="-127"/>
+                <a:ea typeface="나눔스퀘어 네오 OTF Regular" panose="00000500000000000000" pitchFamily="50" charset="-127"/>
+              </a:rPr>
               <a:t>, </a:t>
             </a:r>
             <a:r>
-              <a:rPr lang="ko-KR" altLang="en-US" dirty="0" err="1" smtClean="0"/>
+              <a:rPr lang="ko-KR" altLang="en-US" dirty="0" err="1">
+                <a:latin typeface="나눔스퀘어 네오 OTF Regular" panose="00000500000000000000" pitchFamily="50" charset="-127"/>
+                <a:ea typeface="나눔스퀘어 네오 OTF Regular" panose="00000500000000000000" pitchFamily="50" charset="-127"/>
+              </a:rPr>
               <a:t>노일환</a:t>
             </a:r>
-            <a:endParaRPr lang="en-US" altLang="ko-KR" dirty="0" smtClean="0"/>
+            <a:endParaRPr lang="en-US" altLang="ko-KR" dirty="0">
+              <a:latin typeface="나눔스퀘어 네오 OTF Regular" panose="00000500000000000000" pitchFamily="50" charset="-127"/>
+              <a:ea typeface="나눔스퀘어 네오 OTF Regular" panose="00000500000000000000" pitchFamily="50" charset="-127"/>
+            </a:endParaRPr>
           </a:p>
           <a:p>
             <a:pPr marL="0" indent="0">
               <a:buNone/>
             </a:pPr>
-            <a:endParaRPr lang="en-US" altLang="ko-KR" dirty="0"/>
+            <a:endParaRPr lang="en-US" altLang="ko-KR" dirty="0">
+              <a:latin typeface="나눔스퀘어 네오 OTF Regular" panose="00000500000000000000" pitchFamily="50" charset="-127"/>
+              <a:ea typeface="나눔스퀘어 네오 OTF Regular" panose="00000500000000000000" pitchFamily="50" charset="-127"/>
+            </a:endParaRPr>
           </a:p>
           <a:p>
             <a:pPr marL="0" indent="0">
               <a:buNone/>
             </a:pPr>
-            <a:endParaRPr lang="en-US" altLang="ko-KR" dirty="0" smtClean="0"/>
+            <a:endParaRPr lang="en-US" altLang="ko-KR" dirty="0">
+              <a:latin typeface="나눔스퀘어 네오 OTF Regular" panose="00000500000000000000" pitchFamily="50" charset="-127"/>
+              <a:ea typeface="나눔스퀘어 네오 OTF Regular" panose="00000500000000000000" pitchFamily="50" charset="-127"/>
+            </a:endParaRPr>
           </a:p>
         </p:txBody>
       </p:sp>
@@ -4595,10 +4748,16 @@
           <a:lstStyle/>
           <a:p>
             <a:r>
-              <a:rPr lang="ko-KR" altLang="en-US" dirty="0" err="1" smtClean="0"/>
+              <a:rPr lang="ko-KR" altLang="en-US" dirty="0" err="1">
+                <a:latin typeface="나눔스퀘어 네오 OTF Regular" panose="00000500000000000000" pitchFamily="50" charset="-127"/>
+                <a:ea typeface="나눔스퀘어 네오 OTF Regular" panose="00000500000000000000" pitchFamily="50" charset="-127"/>
+              </a:rPr>
               <a:t>개발일정</a:t>
             </a:r>
-            <a:endParaRPr lang="ko-KR" altLang="en-US" dirty="0"/>
+            <a:endParaRPr lang="ko-KR" altLang="en-US" dirty="0">
+              <a:latin typeface="나눔스퀘어 네오 OTF Regular" panose="00000500000000000000" pitchFamily="50" charset="-127"/>
+              <a:ea typeface="나눔스퀘어 네오 OTF Regular" panose="00000500000000000000" pitchFamily="50" charset="-127"/>
+            </a:endParaRPr>
           </a:p>
         </p:txBody>
       </p:sp>
@@ -4621,44 +4780,67 @@
               <a:buNone/>
             </a:pPr>
             <a:r>
-              <a:rPr lang="ko-KR" altLang="en-US" dirty="0" smtClean="0"/>
+              <a:rPr lang="ko-KR" altLang="en-US" dirty="0">
+                <a:latin typeface="나눔스퀘어 네오 OTF Regular" panose="00000500000000000000" pitchFamily="50" charset="-127"/>
+                <a:ea typeface="나눔스퀘어 네오 OTF Regular" panose="00000500000000000000" pitchFamily="50" charset="-127"/>
+              </a:rPr>
               <a:t>여름방학 전 </a:t>
             </a:r>
             <a:r>
-              <a:rPr lang="en-US" altLang="ko-KR" dirty="0" smtClean="0"/>
+              <a:rPr lang="en-US" altLang="ko-KR" dirty="0">
+                <a:latin typeface="나눔스퀘어 네오 OTF Regular" panose="00000500000000000000" pitchFamily="50" charset="-127"/>
+                <a:ea typeface="나눔스퀘어 네오 OTF Regular" panose="00000500000000000000" pitchFamily="50" charset="-127"/>
+              </a:rPr>
               <a:t>: </a:t>
             </a:r>
             <a:r>
-              <a:rPr lang="ko-KR" altLang="en-US" dirty="0" smtClean="0"/>
+              <a:rPr lang="ko-KR" altLang="en-US" dirty="0">
+                <a:latin typeface="나눔스퀘어 네오 OTF Regular" panose="00000500000000000000" pitchFamily="50" charset="-127"/>
+                <a:ea typeface="나눔스퀘어 네오 OTF Regular" panose="00000500000000000000" pitchFamily="50" charset="-127"/>
+              </a:rPr>
               <a:t>요구사항 분석 및 </a:t>
             </a:r>
             <a:r>
-              <a:rPr lang="ko-KR" altLang="en-US" dirty="0" err="1" smtClean="0"/>
+              <a:rPr lang="ko-KR" altLang="en-US" dirty="0" err="1">
+                <a:latin typeface="나눔스퀘어 네오 OTF Regular" panose="00000500000000000000" pitchFamily="50" charset="-127"/>
+                <a:ea typeface="나눔스퀘어 네오 OTF Regular" panose="00000500000000000000" pitchFamily="50" charset="-127"/>
+              </a:rPr>
               <a:t>설계단계</a:t>
             </a:r>
-            <a:endParaRPr lang="en-US" altLang="ko-KR" dirty="0" smtClean="0"/>
+            <a:endParaRPr lang="en-US" altLang="ko-KR" dirty="0">
+              <a:latin typeface="나눔스퀘어 네오 OTF Regular" panose="00000500000000000000" pitchFamily="50" charset="-127"/>
+              <a:ea typeface="나눔스퀘어 네오 OTF Regular" panose="00000500000000000000" pitchFamily="50" charset="-127"/>
+            </a:endParaRPr>
           </a:p>
           <a:p>
             <a:pPr marL="0" indent="0">
               <a:buNone/>
             </a:pPr>
             <a:r>
-              <a:rPr lang="ko-KR" altLang="en-US" dirty="0" smtClean="0"/>
+              <a:rPr lang="ko-KR" altLang="en-US" dirty="0">
+                <a:latin typeface="나눔스퀘어 네오 OTF Regular" panose="00000500000000000000" pitchFamily="50" charset="-127"/>
+                <a:ea typeface="나눔스퀘어 네오 OTF Regular" panose="00000500000000000000" pitchFamily="50" charset="-127"/>
+              </a:rPr>
               <a:t>여름방학 </a:t>
             </a:r>
             <a:r>
-              <a:rPr lang="en-US" altLang="ko-KR" dirty="0" smtClean="0"/>
+              <a:rPr lang="en-US" altLang="ko-KR" dirty="0">
+                <a:latin typeface="나눔스퀘어 네오 OTF Regular" panose="00000500000000000000" pitchFamily="50" charset="-127"/>
+                <a:ea typeface="나눔스퀘어 네오 OTF Regular" panose="00000500000000000000" pitchFamily="50" charset="-127"/>
+              </a:rPr>
               <a:t>:</a:t>
             </a:r>
             <a:r>
-              <a:rPr lang="ko-KR" altLang="en-US" dirty="0"/>
-              <a:t> </a:t>
-            </a:r>
-            <a:r>
-              <a:rPr lang="ko-KR" altLang="en-US" dirty="0" smtClean="0"/>
-              <a:t>구현 단계</a:t>
-            </a:r>
-            <a:endParaRPr lang="en-US" altLang="ko-KR" dirty="0" smtClean="0"/>
+              <a:rPr lang="ko-KR" altLang="en-US" dirty="0">
+                <a:latin typeface="나눔스퀘어 네오 OTF Regular" panose="00000500000000000000" pitchFamily="50" charset="-127"/>
+                <a:ea typeface="나눔스퀘어 네오 OTF Regular" panose="00000500000000000000" pitchFamily="50" charset="-127"/>
+              </a:rPr>
+              <a:t> 구현 단계</a:t>
+            </a:r>
+            <a:endParaRPr lang="en-US" altLang="ko-KR" dirty="0">
+              <a:latin typeface="나눔스퀘어 네오 OTF Regular" panose="00000500000000000000" pitchFamily="50" charset="-127"/>
+              <a:ea typeface="나눔스퀘어 네오 OTF Regular" panose="00000500000000000000" pitchFamily="50" charset="-127"/>
+            </a:endParaRPr>
           </a:p>
         </p:txBody>
       </p:sp>

--- a/Meeating/3D Model Shoes WebSite.pptx
+++ b/Meeating/3D Model Shoes WebSite.pptx
@@ -265,7 +265,7 @@
           <a:p>
             <a:fld id="{236B0F43-81F2-4665-984A-7AEC0857AA0B}" type="datetimeFigureOut">
               <a:rPr lang="ko-KR" altLang="en-US" smtClean="0"/>
-              <a:t>2023-05-01</a:t>
+              <a:t>2023-05-02</a:t>
             </a:fld>
             <a:endParaRPr lang="ko-KR" altLang="en-US"/>
           </a:p>
@@ -463,7 +463,7 @@
           <a:p>
             <a:fld id="{236B0F43-81F2-4665-984A-7AEC0857AA0B}" type="datetimeFigureOut">
               <a:rPr lang="ko-KR" altLang="en-US" smtClean="0"/>
-              <a:t>2023-05-01</a:t>
+              <a:t>2023-05-02</a:t>
             </a:fld>
             <a:endParaRPr lang="ko-KR" altLang="en-US"/>
           </a:p>
@@ -671,7 +671,7 @@
           <a:p>
             <a:fld id="{236B0F43-81F2-4665-984A-7AEC0857AA0B}" type="datetimeFigureOut">
               <a:rPr lang="ko-KR" altLang="en-US" smtClean="0"/>
-              <a:t>2023-05-01</a:t>
+              <a:t>2023-05-02</a:t>
             </a:fld>
             <a:endParaRPr lang="ko-KR" altLang="en-US"/>
           </a:p>
@@ -869,7 +869,7 @@
           <a:p>
             <a:fld id="{236B0F43-81F2-4665-984A-7AEC0857AA0B}" type="datetimeFigureOut">
               <a:rPr lang="ko-KR" altLang="en-US" smtClean="0"/>
-              <a:t>2023-05-01</a:t>
+              <a:t>2023-05-02</a:t>
             </a:fld>
             <a:endParaRPr lang="ko-KR" altLang="en-US"/>
           </a:p>
@@ -1144,7 +1144,7 @@
           <a:p>
             <a:fld id="{236B0F43-81F2-4665-984A-7AEC0857AA0B}" type="datetimeFigureOut">
               <a:rPr lang="ko-KR" altLang="en-US" smtClean="0"/>
-              <a:t>2023-05-01</a:t>
+              <a:t>2023-05-02</a:t>
             </a:fld>
             <a:endParaRPr lang="ko-KR" altLang="en-US"/>
           </a:p>
@@ -1409,7 +1409,7 @@
           <a:p>
             <a:fld id="{236B0F43-81F2-4665-984A-7AEC0857AA0B}" type="datetimeFigureOut">
               <a:rPr lang="ko-KR" altLang="en-US" smtClean="0"/>
-              <a:t>2023-05-01</a:t>
+              <a:t>2023-05-02</a:t>
             </a:fld>
             <a:endParaRPr lang="ko-KR" altLang="en-US"/>
           </a:p>
@@ -1821,7 +1821,7 @@
           <a:p>
             <a:fld id="{236B0F43-81F2-4665-984A-7AEC0857AA0B}" type="datetimeFigureOut">
               <a:rPr lang="ko-KR" altLang="en-US" smtClean="0"/>
-              <a:t>2023-05-01</a:t>
+              <a:t>2023-05-02</a:t>
             </a:fld>
             <a:endParaRPr lang="ko-KR" altLang="en-US"/>
           </a:p>
@@ -1962,7 +1962,7 @@
           <a:p>
             <a:fld id="{236B0F43-81F2-4665-984A-7AEC0857AA0B}" type="datetimeFigureOut">
               <a:rPr lang="ko-KR" altLang="en-US" smtClean="0"/>
-              <a:t>2023-05-01</a:t>
+              <a:t>2023-05-02</a:t>
             </a:fld>
             <a:endParaRPr lang="ko-KR" altLang="en-US"/>
           </a:p>
@@ -2075,7 +2075,7 @@
           <a:p>
             <a:fld id="{236B0F43-81F2-4665-984A-7AEC0857AA0B}" type="datetimeFigureOut">
               <a:rPr lang="ko-KR" altLang="en-US" smtClean="0"/>
-              <a:t>2023-05-01</a:t>
+              <a:t>2023-05-02</a:t>
             </a:fld>
             <a:endParaRPr lang="ko-KR" altLang="en-US"/>
           </a:p>
@@ -2386,7 +2386,7 @@
           <a:p>
             <a:fld id="{236B0F43-81F2-4665-984A-7AEC0857AA0B}" type="datetimeFigureOut">
               <a:rPr lang="ko-KR" altLang="en-US" smtClean="0"/>
-              <a:t>2023-05-01</a:t>
+              <a:t>2023-05-02</a:t>
             </a:fld>
             <a:endParaRPr lang="ko-KR" altLang="en-US"/>
           </a:p>
@@ -2674,7 +2674,7 @@
           <a:p>
             <a:fld id="{236B0F43-81F2-4665-984A-7AEC0857AA0B}" type="datetimeFigureOut">
               <a:rPr lang="ko-KR" altLang="en-US" smtClean="0"/>
-              <a:t>2023-05-01</a:t>
+              <a:t>2023-05-02</a:t>
             </a:fld>
             <a:endParaRPr lang="ko-KR" altLang="en-US"/>
           </a:p>
@@ -2915,7 +2915,7 @@
           <a:p>
             <a:fld id="{236B0F43-81F2-4665-984A-7AEC0857AA0B}" type="datetimeFigureOut">
               <a:rPr lang="ko-KR" altLang="en-US" smtClean="0"/>
-              <a:t>2023-05-01</a:t>
+              <a:t>2023-05-02</a:t>
             </a:fld>
             <a:endParaRPr lang="ko-KR" altLang="en-US"/>
           </a:p>
@@ -4126,6 +4126,9 @@
             </a:pPr>
             <a:r>
               <a:rPr lang="ko-KR" altLang="en-US" dirty="0">
+                <a:solidFill>
+                  <a:srgbClr val="FF0000"/>
+                </a:solidFill>
                 <a:latin typeface="나눔스퀘어 네오 OTF Regular" panose="00000500000000000000" pitchFamily="50" charset="-127"/>
                 <a:ea typeface="나눔스퀘어 네오 OTF Regular" panose="00000500000000000000" pitchFamily="50" charset="-127"/>
               </a:rPr>
@@ -4133,10 +4136,20 @@
             </a:r>
             <a:r>
               <a:rPr lang="en-US" altLang="ko-KR" dirty="0">
-                <a:latin typeface="나눔스퀘어 네오 OTF Regular" panose="00000500000000000000" pitchFamily="50" charset="-127"/>
-                <a:ea typeface="나눔스퀘어 네오 OTF Regular" panose="00000500000000000000" pitchFamily="50" charset="-127"/>
-              </a:rPr>
-              <a:t>. (</a:t>
+                <a:solidFill>
+                  <a:srgbClr val="FF0000"/>
+                </a:solidFill>
+                <a:latin typeface="나눔스퀘어 네오 OTF Regular" panose="00000500000000000000" pitchFamily="50" charset="-127"/>
+                <a:ea typeface="나눔스퀘어 네오 OTF Regular" panose="00000500000000000000" pitchFamily="50" charset="-127"/>
+              </a:rPr>
+              <a:t>. </a:t>
+            </a:r>
+            <a:r>
+              <a:rPr lang="en-US" altLang="ko-KR" dirty="0">
+                <a:latin typeface="나눔스퀘어 네오 OTF Regular" panose="00000500000000000000" pitchFamily="50" charset="-127"/>
+                <a:ea typeface="나눔스퀘어 네오 OTF Regular" panose="00000500000000000000" pitchFamily="50" charset="-127"/>
+              </a:rPr>
+              <a:t>(</a:t>
             </a:r>
             <a:r>
               <a:rPr lang="ko-KR" altLang="en-US" dirty="0">
@@ -4208,21 +4221,7 @@
                 <a:latin typeface="나눔스퀘어 네오 OTF Regular" panose="00000500000000000000" pitchFamily="50" charset="-127"/>
                 <a:ea typeface="나눔스퀘어 네오 OTF Regular" panose="00000500000000000000" pitchFamily="50" charset="-127"/>
               </a:rPr>
-              <a:t>. (</a:t>
-            </a:r>
-            <a:r>
-              <a:rPr lang="ko-KR" altLang="en-US" dirty="0">
-                <a:latin typeface="나눔스퀘어 네오 OTF Regular" panose="00000500000000000000" pitchFamily="50" charset="-127"/>
-                <a:ea typeface="나눔스퀘어 네오 OTF Regular" panose="00000500000000000000" pitchFamily="50" charset="-127"/>
-              </a:rPr>
-              <a:t>쇼핑만 했다</a:t>
-            </a:r>
-            <a:r>
-              <a:rPr lang="en-US" altLang="ko-KR" dirty="0">
-                <a:latin typeface="나눔스퀘어 네오 OTF Regular" panose="00000500000000000000" pitchFamily="50" charset="-127"/>
-                <a:ea typeface="나눔스퀘어 네오 OTF Regular" panose="00000500000000000000" pitchFamily="50" charset="-127"/>
-              </a:rPr>
-              <a:t>.)</a:t>
+              <a:t>. </a:t>
             </a:r>
           </a:p>
           <a:p>
@@ -4742,7 +4741,12 @@
             <p:ph type="title"/>
           </p:nvPr>
         </p:nvSpPr>
-        <p:spPr/>
+        <p:spPr>
+          <a:xfrm>
+            <a:off x="441037" y="222972"/>
+            <a:ext cx="10515600" cy="1325563"/>
+          </a:xfrm>
+        </p:spPr>
         <p:txBody>
           <a:bodyPr/>
           <a:lstStyle/>
@@ -4771,7 +4775,12 @@
             <p:ph idx="1"/>
           </p:nvPr>
         </p:nvSpPr>
-        <p:spPr/>
+        <p:spPr>
+          <a:xfrm>
+            <a:off x="441037" y="1548535"/>
+            <a:ext cx="10515600" cy="4351338"/>
+          </a:xfrm>
+        </p:spPr>
         <p:txBody>
           <a:bodyPr/>
           <a:lstStyle/>
@@ -4844,6 +4853,102 @@
           </a:p>
         </p:txBody>
       </p:sp>
+      <p:pic>
+        <p:nvPicPr>
+          <p:cNvPr id="9" name="그림 8">
+            <a:extLst>
+              <a:ext uri="{FF2B5EF4-FFF2-40B4-BE49-F238E27FC236}">
+                <a16:creationId xmlns:a16="http://schemas.microsoft.com/office/drawing/2014/main" id="{24EAFCB0-47FD-E446-EDA6-9AB03813A79D}"/>
+              </a:ext>
+            </a:extLst>
+          </p:cNvPr>
+          <p:cNvPicPr>
+            <a:picLocks noChangeAspect="1"/>
+          </p:cNvPicPr>
+          <p:nvPr/>
+        </p:nvPicPr>
+        <p:blipFill>
+          <a:blip r:embed="rId2"/>
+          <a:stretch>
+            <a:fillRect/>
+          </a:stretch>
+        </p:blipFill>
+        <p:spPr>
+          <a:xfrm>
+            <a:off x="209384" y="2603785"/>
+            <a:ext cx="7877428" cy="4051836"/>
+          </a:xfrm>
+          <a:prstGeom prst="rect">
+            <a:avLst/>
+          </a:prstGeom>
+        </p:spPr>
+      </p:pic>
+      <p:pic>
+        <p:nvPicPr>
+          <p:cNvPr id="7" name="그림 6">
+            <a:extLst>
+              <a:ext uri="{FF2B5EF4-FFF2-40B4-BE49-F238E27FC236}">
+                <a16:creationId xmlns:a16="http://schemas.microsoft.com/office/drawing/2014/main" id="{BB60F371-E710-D91C-7326-8062569D893F}"/>
+              </a:ext>
+            </a:extLst>
+          </p:cNvPr>
+          <p:cNvPicPr>
+            <a:picLocks noChangeAspect="1"/>
+          </p:cNvPicPr>
+          <p:nvPr/>
+        </p:nvPicPr>
+        <p:blipFill>
+          <a:blip r:embed="rId3"/>
+          <a:stretch>
+            <a:fillRect/>
+          </a:stretch>
+        </p:blipFill>
+        <p:spPr>
+          <a:xfrm>
+            <a:off x="5652151" y="2304283"/>
+            <a:ext cx="6330465" cy="4487499"/>
+          </a:xfrm>
+          <a:prstGeom prst="rect">
+            <a:avLst/>
+          </a:prstGeom>
+        </p:spPr>
+      </p:pic>
+      <p:pic>
+        <p:nvPicPr>
+          <p:cNvPr id="5" name="그림 4" descr="도표이(가) 표시된 사진&#10;&#10;자동 생성된 설명">
+            <a:extLst>
+              <a:ext uri="{FF2B5EF4-FFF2-40B4-BE49-F238E27FC236}">
+                <a16:creationId xmlns:a16="http://schemas.microsoft.com/office/drawing/2014/main" id="{4612ED50-73D6-1A76-5D0F-20028FD11637}"/>
+              </a:ext>
+            </a:extLst>
+          </p:cNvPr>
+          <p:cNvPicPr>
+            <a:picLocks noChangeAspect="1"/>
+          </p:cNvPicPr>
+          <p:nvPr/>
+        </p:nvPicPr>
+        <p:blipFill>
+          <a:blip r:embed="rId4">
+            <a:extLst>
+              <a:ext uri="{28A0092B-C50C-407E-A947-70E740481C1C}">
+                <a14:useLocalDpi xmlns:a14="http://schemas.microsoft.com/office/drawing/2010/main" val="0"/>
+              </a:ext>
+            </a:extLst>
+          </a:blip>
+          <a:stretch>
+            <a:fillRect/>
+          </a:stretch>
+        </p:blipFill>
+        <p:spPr>
+          <a:xfrm>
+            <a:off x="7017180" y="72325"/>
+            <a:ext cx="4870020" cy="6719457"/>
+          </a:xfrm>
+          <a:prstGeom prst="rect">
+            <a:avLst/>
+          </a:prstGeom>
+        </p:spPr>
+      </p:pic>
     </p:spTree>
     <p:extLst>
       <p:ext uri="{BB962C8B-B14F-4D97-AF65-F5344CB8AC3E}">
@@ -4854,6 +4959,195 @@
   <p:clrMapOvr>
     <a:masterClrMapping/>
   </p:clrMapOvr>
+  <p:timing>
+    <p:tnLst>
+      <p:par>
+        <p:cTn id="1" dur="indefinite" restart="never" nodeType="tmRoot">
+          <p:childTnLst>
+            <p:seq concurrent="1" nextAc="seek">
+              <p:cTn id="2" dur="indefinite" nodeType="mainSeq">
+                <p:childTnLst>
+                  <p:par>
+                    <p:cTn id="3" fill="hold">
+                      <p:stCondLst>
+                        <p:cond delay="indefinite"/>
+                      </p:stCondLst>
+                      <p:childTnLst>
+                        <p:par>
+                          <p:cTn id="4" fill="hold">
+                            <p:stCondLst>
+                              <p:cond delay="0"/>
+                            </p:stCondLst>
+                            <p:childTnLst>
+                              <p:par>
+                                <p:cTn id="5" presetID="10" presetClass="entr" presetSubtype="0" fill="hold" nodeType="clickEffect">
+                                  <p:stCondLst>
+                                    <p:cond delay="0"/>
+                                  </p:stCondLst>
+                                  <p:childTnLst>
+                                    <p:set>
+                                      <p:cBhvr>
+                                        <p:cTn id="6" dur="1" fill="hold">
+                                          <p:stCondLst>
+                                            <p:cond delay="0"/>
+                                          </p:stCondLst>
+                                        </p:cTn>
+                                        <p:tgtEl>
+                                          <p:spTgt spid="9"/>
+                                        </p:tgtEl>
+                                        <p:attrNameLst>
+                                          <p:attrName>style.visibility</p:attrName>
+                                        </p:attrNameLst>
+                                      </p:cBhvr>
+                                      <p:to>
+                                        <p:strVal val="visible"/>
+                                      </p:to>
+                                    </p:set>
+                                    <p:animEffect transition="in" filter="fade">
+                                      <p:cBhvr>
+                                        <p:cTn id="7" dur="500"/>
+                                        <p:tgtEl>
+                                          <p:spTgt spid="9"/>
+                                        </p:tgtEl>
+                                      </p:cBhvr>
+                                    </p:animEffect>
+                                  </p:childTnLst>
+                                </p:cTn>
+                              </p:par>
+                            </p:childTnLst>
+                          </p:cTn>
+                        </p:par>
+                      </p:childTnLst>
+                    </p:cTn>
+                  </p:par>
+                  <p:par>
+                    <p:cTn id="8" fill="hold">
+                      <p:stCondLst>
+                        <p:cond delay="indefinite"/>
+                      </p:stCondLst>
+                      <p:childTnLst>
+                        <p:par>
+                          <p:cTn id="9" fill="hold">
+                            <p:stCondLst>
+                              <p:cond delay="0"/>
+                            </p:stCondLst>
+                            <p:childTnLst>
+                              <p:par>
+                                <p:cTn id="10" presetID="10" presetClass="entr" presetSubtype="0" fill="hold" nodeType="clickEffect">
+                                  <p:stCondLst>
+                                    <p:cond delay="0"/>
+                                  </p:stCondLst>
+                                  <p:childTnLst>
+                                    <p:set>
+                                      <p:cBhvr>
+                                        <p:cTn id="11" dur="1" fill="hold">
+                                          <p:stCondLst>
+                                            <p:cond delay="0"/>
+                                          </p:stCondLst>
+                                        </p:cTn>
+                                        <p:tgtEl>
+                                          <p:spTgt spid="7"/>
+                                        </p:tgtEl>
+                                        <p:attrNameLst>
+                                          <p:attrName>style.visibility</p:attrName>
+                                        </p:attrNameLst>
+                                      </p:cBhvr>
+                                      <p:to>
+                                        <p:strVal val="visible"/>
+                                      </p:to>
+                                    </p:set>
+                                    <p:animEffect transition="in" filter="fade">
+                                      <p:cBhvr>
+                                        <p:cTn id="12" dur="500"/>
+                                        <p:tgtEl>
+                                          <p:spTgt spid="7"/>
+                                        </p:tgtEl>
+                                      </p:cBhvr>
+                                    </p:animEffect>
+                                  </p:childTnLst>
+                                </p:cTn>
+                              </p:par>
+                            </p:childTnLst>
+                          </p:cTn>
+                        </p:par>
+                      </p:childTnLst>
+                    </p:cTn>
+                  </p:par>
+                  <p:par>
+                    <p:cTn id="13" fill="hold">
+                      <p:stCondLst>
+                        <p:cond delay="indefinite"/>
+                      </p:stCondLst>
+                      <p:childTnLst>
+                        <p:par>
+                          <p:cTn id="14" fill="hold">
+                            <p:stCondLst>
+                              <p:cond delay="0"/>
+                            </p:stCondLst>
+                            <p:childTnLst>
+                              <p:par>
+                                <p:cTn id="15" presetID="10" presetClass="entr" presetSubtype="0" fill="hold" nodeType="clickEffect">
+                                  <p:stCondLst>
+                                    <p:cond delay="0"/>
+                                  </p:stCondLst>
+                                  <p:childTnLst>
+                                    <p:set>
+                                      <p:cBhvr>
+                                        <p:cTn id="16" dur="1" fill="hold">
+                                          <p:stCondLst>
+                                            <p:cond delay="0"/>
+                                          </p:stCondLst>
+                                        </p:cTn>
+                                        <p:tgtEl>
+                                          <p:spTgt spid="5"/>
+                                        </p:tgtEl>
+                                        <p:attrNameLst>
+                                          <p:attrName>style.visibility</p:attrName>
+                                        </p:attrNameLst>
+                                      </p:cBhvr>
+                                      <p:to>
+                                        <p:strVal val="visible"/>
+                                      </p:to>
+                                    </p:set>
+                                    <p:animEffect transition="in" filter="fade">
+                                      <p:cBhvr>
+                                        <p:cTn id="17" dur="500"/>
+                                        <p:tgtEl>
+                                          <p:spTgt spid="5"/>
+                                        </p:tgtEl>
+                                      </p:cBhvr>
+                                    </p:animEffect>
+                                  </p:childTnLst>
+                                </p:cTn>
+                              </p:par>
+                            </p:childTnLst>
+                          </p:cTn>
+                        </p:par>
+                      </p:childTnLst>
+                    </p:cTn>
+                  </p:par>
+                </p:childTnLst>
+              </p:cTn>
+              <p:prevCondLst>
+                <p:cond evt="onPrev" delay="0">
+                  <p:tgtEl>
+                    <p:sldTgt/>
+                  </p:tgtEl>
+                </p:cond>
+              </p:prevCondLst>
+              <p:nextCondLst>
+                <p:cond evt="onNext" delay="0">
+                  <p:tgtEl>
+                    <p:sldTgt/>
+                  </p:tgtEl>
+                </p:cond>
+              </p:nextCondLst>
+            </p:seq>
+          </p:childTnLst>
+        </p:cTn>
+      </p:par>
+    </p:tnLst>
+  </p:timing>
 </p:sld>
 </file>
 

--- a/Meeating/3D Model Shoes WebSite.pptx
+++ b/Meeating/3D Model Shoes WebSite.pptx
@@ -10,8 +10,8 @@
     <p:sldId id="258" r:id="rId4"/>
     <p:sldId id="259" r:id="rId5"/>
     <p:sldId id="260" r:id="rId6"/>
-    <p:sldId id="261" r:id="rId7"/>
-    <p:sldId id="262" r:id="rId8"/>
+    <p:sldId id="262" r:id="rId7"/>
+    <p:sldId id="263" r:id="rId8"/>
   </p:sldIdLst>
   <p:sldSz cx="12192000" cy="6858000"/>
   <p:notesSz cx="6858000" cy="9144000"/>
@@ -265,7 +265,7 @@
           <a:p>
             <a:fld id="{236B0F43-81F2-4665-984A-7AEC0857AA0B}" type="datetimeFigureOut">
               <a:rPr lang="ko-KR" altLang="en-US" smtClean="0"/>
-              <a:t>2023-05-02</a:t>
+              <a:t>2023-05-16</a:t>
             </a:fld>
             <a:endParaRPr lang="ko-KR" altLang="en-US"/>
           </a:p>
@@ -463,7 +463,7 @@
           <a:p>
             <a:fld id="{236B0F43-81F2-4665-984A-7AEC0857AA0B}" type="datetimeFigureOut">
               <a:rPr lang="ko-KR" altLang="en-US" smtClean="0"/>
-              <a:t>2023-05-02</a:t>
+              <a:t>2023-05-16</a:t>
             </a:fld>
             <a:endParaRPr lang="ko-KR" altLang="en-US"/>
           </a:p>
@@ -671,7 +671,7 @@
           <a:p>
             <a:fld id="{236B0F43-81F2-4665-984A-7AEC0857AA0B}" type="datetimeFigureOut">
               <a:rPr lang="ko-KR" altLang="en-US" smtClean="0"/>
-              <a:t>2023-05-02</a:t>
+              <a:t>2023-05-16</a:t>
             </a:fld>
             <a:endParaRPr lang="ko-KR" altLang="en-US"/>
           </a:p>
@@ -869,7 +869,7 @@
           <a:p>
             <a:fld id="{236B0F43-81F2-4665-984A-7AEC0857AA0B}" type="datetimeFigureOut">
               <a:rPr lang="ko-KR" altLang="en-US" smtClean="0"/>
-              <a:t>2023-05-02</a:t>
+              <a:t>2023-05-16</a:t>
             </a:fld>
             <a:endParaRPr lang="ko-KR" altLang="en-US"/>
           </a:p>
@@ -1144,7 +1144,7 @@
           <a:p>
             <a:fld id="{236B0F43-81F2-4665-984A-7AEC0857AA0B}" type="datetimeFigureOut">
               <a:rPr lang="ko-KR" altLang="en-US" smtClean="0"/>
-              <a:t>2023-05-02</a:t>
+              <a:t>2023-05-16</a:t>
             </a:fld>
             <a:endParaRPr lang="ko-KR" altLang="en-US"/>
           </a:p>
@@ -1409,7 +1409,7 @@
           <a:p>
             <a:fld id="{236B0F43-81F2-4665-984A-7AEC0857AA0B}" type="datetimeFigureOut">
               <a:rPr lang="ko-KR" altLang="en-US" smtClean="0"/>
-              <a:t>2023-05-02</a:t>
+              <a:t>2023-05-16</a:t>
             </a:fld>
             <a:endParaRPr lang="ko-KR" altLang="en-US"/>
           </a:p>
@@ -1821,7 +1821,7 @@
           <a:p>
             <a:fld id="{236B0F43-81F2-4665-984A-7AEC0857AA0B}" type="datetimeFigureOut">
               <a:rPr lang="ko-KR" altLang="en-US" smtClean="0"/>
-              <a:t>2023-05-02</a:t>
+              <a:t>2023-05-16</a:t>
             </a:fld>
             <a:endParaRPr lang="ko-KR" altLang="en-US"/>
           </a:p>
@@ -1962,7 +1962,7 @@
           <a:p>
             <a:fld id="{236B0F43-81F2-4665-984A-7AEC0857AA0B}" type="datetimeFigureOut">
               <a:rPr lang="ko-KR" altLang="en-US" smtClean="0"/>
-              <a:t>2023-05-02</a:t>
+              <a:t>2023-05-16</a:t>
             </a:fld>
             <a:endParaRPr lang="ko-KR" altLang="en-US"/>
           </a:p>
@@ -2075,7 +2075,7 @@
           <a:p>
             <a:fld id="{236B0F43-81F2-4665-984A-7AEC0857AA0B}" type="datetimeFigureOut">
               <a:rPr lang="ko-KR" altLang="en-US" smtClean="0"/>
-              <a:t>2023-05-02</a:t>
+              <a:t>2023-05-16</a:t>
             </a:fld>
             <a:endParaRPr lang="ko-KR" altLang="en-US"/>
           </a:p>
@@ -2386,7 +2386,7 @@
           <a:p>
             <a:fld id="{236B0F43-81F2-4665-984A-7AEC0857AA0B}" type="datetimeFigureOut">
               <a:rPr lang="ko-KR" altLang="en-US" smtClean="0"/>
-              <a:t>2023-05-02</a:t>
+              <a:t>2023-05-16</a:t>
             </a:fld>
             <a:endParaRPr lang="ko-KR" altLang="en-US"/>
           </a:p>
@@ -2674,7 +2674,7 @@
           <a:p>
             <a:fld id="{236B0F43-81F2-4665-984A-7AEC0857AA0B}" type="datetimeFigureOut">
               <a:rPr lang="ko-KR" altLang="en-US" smtClean="0"/>
-              <a:t>2023-05-02</a:t>
+              <a:t>2023-05-16</a:t>
             </a:fld>
             <a:endParaRPr lang="ko-KR" altLang="en-US"/>
           </a:p>
@@ -2915,7 +2915,7 @@
           <a:p>
             <a:fld id="{236B0F43-81F2-4665-984A-7AEC0857AA0B}" type="datetimeFigureOut">
               <a:rPr lang="ko-KR" altLang="en-US" smtClean="0"/>
-              <a:t>2023-05-02</a:t>
+              <a:t>2023-05-16</a:t>
             </a:fld>
             <a:endParaRPr lang="ko-KR" altLang="en-US"/>
           </a:p>
@@ -3350,33 +3350,33 @@
         </p:nvSpPr>
         <p:spPr>
           <a:xfrm>
-            <a:off x="1371600" y="767257"/>
+            <a:off x="1371600" y="650879"/>
             <a:ext cx="9448800" cy="975769"/>
           </a:xfrm>
         </p:spPr>
         <p:txBody>
           <a:bodyPr>
-            <a:normAutofit fontScale="90000"/>
+            <a:normAutofit/>
           </a:bodyPr>
           <a:lstStyle/>
           <a:p>
             <a:r>
               <a:rPr lang="en-US" altLang="ko-KR" b="1" dirty="0">
-                <a:latin typeface="나눔스퀘어 네오 OTF Regular" panose="00000500000000000000" pitchFamily="50" charset="-127"/>
-                <a:ea typeface="나눔스퀘어 네오 OTF Regular" panose="00000500000000000000" pitchFamily="50" charset="-127"/>
+                <a:latin typeface="Bahnschrift SemiLight SemiConde" panose="020B0502040204020203" pitchFamily="34" charset="0"/>
+                <a:ea typeface="나눔스퀘어 네오 OTF Regular" panose="00000500000000000000"/>
               </a:rPr>
               <a:t>3D Model Shoes </a:t>
             </a:r>
             <a:r>
               <a:rPr lang="en-US" altLang="ko-KR" b="1" dirty="0" err="1">
-                <a:latin typeface="나눔스퀘어 네오 OTF Regular" panose="00000500000000000000" pitchFamily="50" charset="-127"/>
-                <a:ea typeface="나눔스퀘어 네오 OTF Regular" panose="00000500000000000000" pitchFamily="50" charset="-127"/>
+                <a:latin typeface="Bahnschrift SemiLight SemiConde" panose="020B0502040204020203" pitchFamily="34" charset="0"/>
+                <a:ea typeface="나눔스퀘어 네오 OTF Regular" panose="00000500000000000000"/>
               </a:rPr>
               <a:t>WebSite</a:t>
             </a:r>
             <a:endParaRPr lang="ko-KR" altLang="en-US" b="1" dirty="0">
-              <a:latin typeface="나눔스퀘어 네오 OTF Regular" panose="00000500000000000000" pitchFamily="50" charset="-127"/>
-              <a:ea typeface="나눔스퀘어 네오 OTF Regular" panose="00000500000000000000" pitchFamily="50" charset="-127"/>
+              <a:latin typeface="Bahnschrift SemiLight SemiConde" panose="020B0502040204020203" pitchFamily="34" charset="0"/>
+              <a:ea typeface="나눔스퀘어 네오 OTF Regular" panose="00000500000000000000"/>
             </a:endParaRPr>
           </a:p>
         </p:txBody>
@@ -3528,6 +3528,13 @@
   <p:clrMapOvr>
     <a:masterClrMapping/>
   </p:clrMapOvr>
+  <p:timing>
+    <p:tnLst>
+      <p:par>
+        <p:cTn id="1" dur="indefinite" restart="never" nodeType="tmRoot"/>
+      </p:par>
+    </p:tnLst>
+  </p:timing>
 </p:sld>
 </file>
 
@@ -3577,232 +3584,61 @@
           <a:lstStyle/>
           <a:p>
             <a:r>
-              <a:rPr lang="ko-KR" altLang="en-US" sz="4800" b="1" dirty="0">
+              <a:rPr lang="ko-KR" altLang="en-US" sz="4800" b="1" dirty="0" smtClean="0">
                 <a:latin typeface="나눔스퀘어 네오 OTF Regular" panose="00000500000000000000" pitchFamily="50" charset="-127"/>
                 <a:ea typeface="나눔스퀘어 네오 OTF Regular" panose="00000500000000000000" pitchFamily="50" charset="-127"/>
               </a:rPr>
-              <a:t>주제 접근</a:t>
-            </a:r>
-          </a:p>
-        </p:txBody>
-      </p:sp>
-      <p:sp>
-        <p:nvSpPr>
-          <p:cNvPr id="3" name="내용 개체 틀 2">
-            <a:extLst>
-              <a:ext uri="{FF2B5EF4-FFF2-40B4-BE49-F238E27FC236}">
-                <a16:creationId xmlns:a16="http://schemas.microsoft.com/office/drawing/2014/main" id="{CD8E774D-D3C2-B43E-ED46-F0EE2832561E}"/>
-              </a:ext>
-            </a:extLst>
-          </p:cNvPr>
-          <p:cNvSpPr>
-            <a:spLocks noGrp="1"/>
-          </p:cNvSpPr>
-          <p:nvPr>
-            <p:ph idx="1"/>
-          </p:nvPr>
-        </p:nvSpPr>
-        <p:spPr>
-          <a:xfrm>
-            <a:off x="838200" y="1712414"/>
-            <a:ext cx="10515600" cy="4351338"/>
-          </a:xfrm>
-        </p:spPr>
-        <p:txBody>
-          <a:bodyPr/>
-          <a:lstStyle/>
-          <a:p>
-            <a:pPr marL="0" indent="0">
-              <a:buNone/>
-            </a:pPr>
-            <a:r>
-              <a:rPr lang="ko-KR" altLang="en-US" dirty="0">
-                <a:latin typeface="나눔스퀘어 네오 OTF Regular" panose="00000500000000000000" pitchFamily="50" charset="-127"/>
-                <a:ea typeface="나눔스퀘어 네오 OTF Regular" panose="00000500000000000000" pitchFamily="50" charset="-127"/>
-              </a:rPr>
-              <a:t>웹 사이트를 만들자 </a:t>
-            </a:r>
-            <a:r>
-              <a:rPr lang="en-US" altLang="ko-KR" dirty="0">
-                <a:latin typeface="나눔스퀘어 네오 OTF Regular" panose="00000500000000000000" pitchFamily="50" charset="-127"/>
-                <a:ea typeface="나눔스퀘어 네오 OTF Regular" panose="00000500000000000000" pitchFamily="50" charset="-127"/>
-              </a:rPr>
-              <a:t>! </a:t>
-            </a:r>
-          </a:p>
-          <a:p>
-            <a:pPr marL="0" indent="0">
-              <a:buNone/>
-            </a:pPr>
-            <a:r>
-              <a:rPr lang="en-US" altLang="ko-KR" dirty="0">
-                <a:latin typeface="나눔스퀘어 네오 OTF Regular" panose="00000500000000000000" pitchFamily="50" charset="-127"/>
-                <a:ea typeface="나눔스퀘어 네오 OTF Regular" panose="00000500000000000000" pitchFamily="50" charset="-127"/>
-              </a:rPr>
-              <a:t>-&gt; </a:t>
-            </a:r>
-            <a:r>
-              <a:rPr lang="ko-KR" altLang="en-US" dirty="0">
-                <a:latin typeface="나눔스퀘어 네오 OTF Regular" panose="00000500000000000000" pitchFamily="50" charset="-127"/>
-                <a:ea typeface="나눔스퀘어 네오 OTF Regular" panose="00000500000000000000" pitchFamily="50" charset="-127"/>
-              </a:rPr>
-              <a:t>기존에 많이 있는 </a:t>
-            </a:r>
-            <a:r>
-              <a:rPr lang="en-US" altLang="ko-KR" dirty="0">
-                <a:latin typeface="나눔스퀘어 네오 OTF Regular" panose="00000500000000000000" pitchFamily="50" charset="-127"/>
-                <a:ea typeface="나눔스퀘어 네오 OTF Regular" panose="00000500000000000000" pitchFamily="50" charset="-127"/>
-              </a:rPr>
-              <a:t>2D </a:t>
-            </a:r>
-            <a:r>
-              <a:rPr lang="ko-KR" altLang="en-US" dirty="0">
-                <a:latin typeface="나눔스퀘어 네오 OTF Regular" panose="00000500000000000000" pitchFamily="50" charset="-127"/>
-                <a:ea typeface="나눔스퀘어 네오 OTF Regular" panose="00000500000000000000" pitchFamily="50" charset="-127"/>
-              </a:rPr>
-              <a:t>쇼핑몰 대신 </a:t>
-            </a:r>
-            <a:r>
-              <a:rPr lang="en-US" altLang="ko-KR" dirty="0">
-                <a:latin typeface="나눔스퀘어 네오 OTF Regular" panose="00000500000000000000" pitchFamily="50" charset="-127"/>
-                <a:ea typeface="나눔스퀘어 네오 OTF Regular" panose="00000500000000000000" pitchFamily="50" charset="-127"/>
-              </a:rPr>
-              <a:t>3D Model</a:t>
-            </a:r>
-            <a:r>
-              <a:rPr lang="ko-KR" altLang="en-US" dirty="0">
-                <a:latin typeface="나눔스퀘어 네오 OTF Regular" panose="00000500000000000000" pitchFamily="50" charset="-127"/>
-                <a:ea typeface="나눔스퀘어 네오 OTF Regular" panose="00000500000000000000" pitchFamily="50" charset="-127"/>
-              </a:rPr>
-              <a:t>로 더욱 더 생동감을 넣어보자 </a:t>
-            </a:r>
-            <a:r>
-              <a:rPr lang="en-US" altLang="ko-KR" dirty="0">
-                <a:latin typeface="나눔스퀘어 네오 OTF Regular" panose="00000500000000000000" pitchFamily="50" charset="-127"/>
-                <a:ea typeface="나눔스퀘어 네오 OTF Regular" panose="00000500000000000000" pitchFamily="50" charset="-127"/>
-              </a:rPr>
-              <a:t>! </a:t>
-            </a:r>
-          </a:p>
-          <a:p>
-            <a:pPr marL="0" indent="0">
-              <a:buNone/>
-            </a:pPr>
-            <a:r>
-              <a:rPr lang="en-US" altLang="ko-KR" dirty="0">
-                <a:latin typeface="나눔스퀘어 네오 OTF Regular" panose="00000500000000000000" pitchFamily="50" charset="-127"/>
-                <a:ea typeface="나눔스퀘어 네오 OTF Regular" panose="00000500000000000000" pitchFamily="50" charset="-127"/>
-              </a:rPr>
-              <a:t>-&gt; </a:t>
-            </a:r>
-            <a:r>
-              <a:rPr lang="ko-KR" altLang="en-US" dirty="0">
-                <a:latin typeface="나눔스퀘어 네오 OTF Regular" panose="00000500000000000000" pitchFamily="50" charset="-127"/>
-                <a:ea typeface="나눔스퀘어 네오 OTF Regular" panose="00000500000000000000" pitchFamily="50" charset="-127"/>
-              </a:rPr>
-              <a:t>우연히 </a:t>
-            </a:r>
-            <a:r>
-              <a:rPr lang="en-US" altLang="ko-KR" dirty="0" err="1">
-                <a:latin typeface="나눔스퀘어 네오 OTF Regular" panose="00000500000000000000" pitchFamily="50" charset="-127"/>
-                <a:ea typeface="나눔스퀘어 네오 OTF Regular" panose="00000500000000000000" pitchFamily="50" charset="-127"/>
-              </a:rPr>
-              <a:t>SketchFab</a:t>
-            </a:r>
-            <a:r>
-              <a:rPr lang="en-US" altLang="ko-KR" dirty="0">
-                <a:latin typeface="나눔스퀘어 네오 OTF Regular" panose="00000500000000000000" pitchFamily="50" charset="-127"/>
-                <a:ea typeface="나눔스퀘어 네오 OTF Regular" panose="00000500000000000000" pitchFamily="50" charset="-127"/>
-              </a:rPr>
-              <a:t> Site</a:t>
-            </a:r>
-            <a:r>
-              <a:rPr lang="ko-KR" altLang="en-US" dirty="0">
-                <a:latin typeface="나눔스퀘어 네오 OTF Regular" panose="00000500000000000000" pitchFamily="50" charset="-127"/>
-                <a:ea typeface="나눔스퀘어 네오 OTF Regular" panose="00000500000000000000" pitchFamily="50" charset="-127"/>
-              </a:rPr>
-              <a:t>를 </a:t>
-            </a:r>
-            <a:r>
-              <a:rPr lang="ko-KR" altLang="en-US" dirty="0" err="1">
-                <a:latin typeface="나눔스퀘어 네오 OTF Regular" panose="00000500000000000000" pitchFamily="50" charset="-127"/>
-                <a:ea typeface="나눔스퀘어 네오 OTF Regular" panose="00000500000000000000" pitchFamily="50" charset="-127"/>
-              </a:rPr>
-              <a:t>알게됨</a:t>
-            </a:r>
-            <a:r>
-              <a:rPr lang="en-US" altLang="ko-KR" dirty="0">
-                <a:latin typeface="나눔스퀘어 네오 OTF Regular" panose="00000500000000000000" pitchFamily="50" charset="-127"/>
-                <a:ea typeface="나눔스퀘어 네오 OTF Regular" panose="00000500000000000000" pitchFamily="50" charset="-127"/>
-              </a:rPr>
-              <a:t>. </a:t>
-            </a:r>
-          </a:p>
-          <a:p>
-            <a:pPr marL="0" indent="0">
-              <a:buNone/>
-            </a:pPr>
-            <a:r>
-              <a:rPr lang="en-US" altLang="ko-KR" dirty="0">
-                <a:latin typeface="나눔스퀘어 네오 OTF Regular" panose="00000500000000000000" pitchFamily="50" charset="-127"/>
-                <a:ea typeface="나눔스퀘어 네오 OTF Regular" panose="00000500000000000000" pitchFamily="50" charset="-127"/>
-              </a:rPr>
-              <a:t>-&gt; (</a:t>
-            </a:r>
-            <a:r>
-              <a:rPr lang="ko-KR" altLang="en-US" dirty="0">
-                <a:latin typeface="나눔스퀘어 네오 OTF Regular" panose="00000500000000000000" pitchFamily="50" charset="-127"/>
-                <a:ea typeface="나눔스퀘어 네오 OTF Regular" panose="00000500000000000000" pitchFamily="50" charset="-127"/>
-              </a:rPr>
-              <a:t>신발 모델이 많아서</a:t>
-            </a:r>
-            <a:r>
-              <a:rPr lang="en-US" altLang="ko-KR" dirty="0">
-                <a:latin typeface="나눔스퀘어 네오 OTF Regular" panose="00000500000000000000" pitchFamily="50" charset="-127"/>
-                <a:ea typeface="나눔스퀘어 네오 OTF Regular" panose="00000500000000000000" pitchFamily="50" charset="-127"/>
-              </a:rPr>
-              <a:t>)</a:t>
-            </a:r>
-            <a:r>
-              <a:rPr lang="ko-KR" altLang="en-US" dirty="0">
-                <a:latin typeface="나눔스퀘어 네오 OTF Regular" panose="00000500000000000000" pitchFamily="50" charset="-127"/>
-                <a:ea typeface="나눔스퀘어 네오 OTF Regular" panose="00000500000000000000" pitchFamily="50" charset="-127"/>
-              </a:rPr>
-              <a:t> </a:t>
-            </a:r>
-            <a:r>
-              <a:rPr lang="en-US" altLang="ko-KR" sz="4000" b="1" dirty="0">
-                <a:highlight>
-                  <a:srgbClr val="FFFF00"/>
-                </a:highlight>
-                <a:latin typeface="나눔스퀘어 네오 OTF Regular" panose="00000500000000000000" pitchFamily="50" charset="-127"/>
-                <a:ea typeface="나눔스퀘어 네오 OTF Regular" panose="00000500000000000000" pitchFamily="50" charset="-127"/>
-              </a:rPr>
-              <a:t>3D </a:t>
-            </a:r>
-            <a:r>
-              <a:rPr lang="ko-KR" altLang="en-US" sz="4000" b="1" dirty="0">
-                <a:highlight>
-                  <a:srgbClr val="FFFF00"/>
-                </a:highlight>
-                <a:latin typeface="나눔스퀘어 네오 OTF Regular" panose="00000500000000000000" pitchFamily="50" charset="-127"/>
-                <a:ea typeface="나눔스퀘어 네오 OTF Regular" panose="00000500000000000000" pitchFamily="50" charset="-127"/>
-              </a:rPr>
-              <a:t>신발 쇼핑몰</a:t>
-            </a:r>
-            <a:endParaRPr lang="en-US" altLang="ko-KR" sz="4000" b="1" dirty="0">
-              <a:highlight>
-                <a:srgbClr val="FFFF00"/>
-              </a:highlight>
+              <a:t>주제</a:t>
+            </a:r>
+            <a:endParaRPr lang="ko-KR" altLang="en-US" sz="4800" b="1" dirty="0">
               <a:latin typeface="나눔스퀘어 네오 OTF Regular" panose="00000500000000000000" pitchFamily="50" charset="-127"/>
               <a:ea typeface="나눔스퀘어 네오 OTF Regular" panose="00000500000000000000" pitchFamily="50" charset="-127"/>
             </a:endParaRPr>
           </a:p>
-          <a:p>
-            <a:pPr marL="0" indent="0">
-              <a:buNone/>
-            </a:pPr>
-            <a:endParaRPr lang="en-US" altLang="ko-KR" dirty="0"/>
+        </p:txBody>
+      </p:sp>
+      <p:sp>
+        <p:nvSpPr>
+          <p:cNvPr id="4" name="TextBox 3"/>
+          <p:cNvSpPr txBox="1"/>
+          <p:nvPr/>
+        </p:nvSpPr>
+        <p:spPr>
+          <a:xfrm>
+            <a:off x="906088" y="1517113"/>
+            <a:ext cx="11380124" cy="1077218"/>
+          </a:xfrm>
+          <a:prstGeom prst="rect">
+            <a:avLst/>
+          </a:prstGeom>
+          <a:noFill/>
+        </p:spPr>
+        <p:txBody>
+          <a:bodyPr wrap="square" rtlCol="0">
+            <a:spAutoFit/>
+          </a:bodyPr>
+          <a:lstStyle/>
+          <a:p>
+            <a:r>
+              <a:rPr lang="en-US" altLang="ko-KR" sz="3200" dirty="0" smtClean="0"/>
+              <a:t>3D </a:t>
+            </a:r>
+            <a:r>
+              <a:rPr lang="ko-KR" altLang="en-US" sz="3200" dirty="0" smtClean="0"/>
+              <a:t>신발 쇼핑몰 </a:t>
+            </a:r>
+            <a:endParaRPr lang="en-US" altLang="ko-KR" sz="3200" dirty="0" smtClean="0"/>
+          </a:p>
+          <a:p>
+            <a:r>
+              <a:rPr lang="en-US" altLang="ko-KR" sz="3200" dirty="0" smtClean="0"/>
+              <a:t>+ </a:t>
+            </a:r>
+            <a:r>
+              <a:rPr lang="ko-KR" altLang="en-US" sz="3200" dirty="0" smtClean="0"/>
+              <a:t>자신에게 알맞은 상품을 추천해주는 시스템</a:t>
+            </a:r>
+            <a:endParaRPr lang="ko-KR" altLang="en-US" sz="3200" dirty="0"/>
           </a:p>
         </p:txBody>
       </p:sp>
@@ -3816,6 +3652,13 @@
   <p:clrMapOvr>
     <a:masterClrMapping/>
   </p:clrMapOvr>
+  <p:timing>
+    <p:tnLst>
+      <p:par>
+        <p:cTn id="1" dur="indefinite" restart="never" nodeType="tmRoot"/>
+      </p:par>
+    </p:tnLst>
+  </p:timing>
 </p:sld>
 </file>
 
@@ -4037,11 +3880,18 @@
           <a:lstStyle/>
           <a:p>
             <a:r>
+              <a:rPr lang="ko-KR" altLang="en-US" dirty="0" smtClean="0">
+                <a:latin typeface="나눔스퀘어 네오 OTF Regular" panose="00000500000000000000" pitchFamily="50" charset="-127"/>
+                <a:ea typeface="나눔스퀘어 네오 OTF Regular" panose="00000500000000000000" pitchFamily="50" charset="-127"/>
+              </a:rPr>
+              <a:t>목적 및 </a:t>
+            </a:r>
+            <a:r>
               <a:rPr lang="ko-KR" altLang="en-US" dirty="0">
                 <a:latin typeface="나눔스퀘어 네오 OTF Regular" panose="00000500000000000000" pitchFamily="50" charset="-127"/>
                 <a:ea typeface="나눔스퀘어 네오 OTF Regular" panose="00000500000000000000" pitchFamily="50" charset="-127"/>
               </a:rPr>
-              <a:t>필요성 및 기대효과</a:t>
+              <a:t>기대효과</a:t>
             </a:r>
           </a:p>
         </p:txBody>
@@ -4076,7 +3926,48 @@
               <a:buNone/>
             </a:pPr>
             <a:r>
-              <a:rPr lang="ko-KR" altLang="en-US" dirty="0">
+              <a:rPr lang="ko-KR" altLang="en-US" dirty="0" smtClean="0">
+                <a:latin typeface="나눔스퀘어 네오 OTF Regular" panose="00000500000000000000" pitchFamily="50" charset="-127"/>
+                <a:ea typeface="나눔스퀘어 네오 OTF Regular" panose="00000500000000000000" pitchFamily="50" charset="-127"/>
+              </a:rPr>
+              <a:t>목적</a:t>
+            </a:r>
+            <a:endParaRPr lang="en-US" altLang="ko-KR" dirty="0" smtClean="0">
+              <a:latin typeface="나눔스퀘어 네오 OTF Regular" panose="00000500000000000000" pitchFamily="50" charset="-127"/>
+              <a:ea typeface="나눔스퀘어 네오 OTF Regular" panose="00000500000000000000" pitchFamily="50" charset="-127"/>
+            </a:endParaRPr>
+          </a:p>
+          <a:p>
+            <a:pPr marL="0" indent="0">
+              <a:buNone/>
+            </a:pPr>
+            <a:r>
+              <a:rPr lang="en-US" altLang="ko-KR" dirty="0" smtClean="0">
+                <a:latin typeface="나눔스퀘어 네오 OTF Regular" panose="00000500000000000000" pitchFamily="50" charset="-127"/>
+                <a:ea typeface="나눔스퀘어 네오 OTF Regular" panose="00000500000000000000" pitchFamily="50" charset="-127"/>
+              </a:rPr>
+              <a:t>1. </a:t>
+            </a:r>
+            <a:endParaRPr lang="en-US" altLang="ko-KR" dirty="0" smtClean="0">
+              <a:latin typeface="나눔스퀘어 네오 OTF Regular" panose="00000500000000000000" pitchFamily="50" charset="-127"/>
+              <a:ea typeface="나눔스퀘어 네오 OTF Regular" panose="00000500000000000000" pitchFamily="50" charset="-127"/>
+            </a:endParaRPr>
+          </a:p>
+          <a:p>
+            <a:pPr marL="0" indent="0">
+              <a:buNone/>
+            </a:pPr>
+            <a:endParaRPr lang="en-US" altLang="ko-KR" dirty="0">
+              <a:latin typeface="나눔스퀘어 네오 OTF Regular" panose="00000500000000000000" pitchFamily="50" charset="-127"/>
+              <a:ea typeface="나눔스퀘어 네오 OTF Regular" panose="00000500000000000000" pitchFamily="50" charset="-127"/>
+            </a:endParaRPr>
+          </a:p>
+          <a:p>
+            <a:pPr marL="0" indent="0">
+              <a:buNone/>
+            </a:pPr>
+            <a:r>
+              <a:rPr lang="ko-KR" altLang="en-US" dirty="0" smtClean="0">
                 <a:latin typeface="나눔스퀘어 네오 OTF Regular" panose="00000500000000000000" pitchFamily="50" charset="-127"/>
                 <a:ea typeface="나눔스퀘어 네오 OTF Regular" panose="00000500000000000000" pitchFamily="50" charset="-127"/>
               </a:rPr>
@@ -4110,7 +4001,21 @@
                 <a:latin typeface="나눔스퀘어 네오 OTF Regular" panose="00000500000000000000" pitchFamily="50" charset="-127"/>
                 <a:ea typeface="나눔스퀘어 네오 OTF Regular" panose="00000500000000000000" pitchFamily="50" charset="-127"/>
               </a:rPr>
-              <a:t>쇼핑몰 보다 훨씬 더 신발을 다양한 각도에서 생동감 있게 볼 수 있다</a:t>
+              <a:t>쇼핑몰 보다 훨씬 더 신발을 다양한 각도에서 </a:t>
+            </a:r>
+            <a:r>
+              <a:rPr lang="ko-KR" altLang="en-US" dirty="0" smtClean="0">
+                <a:latin typeface="나눔스퀘어 네오 OTF Regular" panose="00000500000000000000" pitchFamily="50" charset="-127"/>
+                <a:ea typeface="나눔스퀘어 네오 OTF Regular" panose="00000500000000000000" pitchFamily="50" charset="-127"/>
+              </a:rPr>
+              <a:t>자세하게 볼 </a:t>
+            </a:r>
+            <a:r>
+              <a:rPr lang="ko-KR" altLang="en-US" dirty="0">
+                <a:latin typeface="나눔스퀘어 네오 OTF Regular" panose="00000500000000000000" pitchFamily="50" charset="-127"/>
+                <a:ea typeface="나눔스퀘어 네오 OTF Regular" panose="00000500000000000000" pitchFamily="50" charset="-127"/>
+              </a:rPr>
+              <a:t>수 있다</a:t>
             </a:r>
             <a:r>
               <a:rPr lang="en-US" altLang="ko-KR" dirty="0">
@@ -4119,52 +4024,19 @@
               </a:rPr>
               <a:t>. </a:t>
             </a:r>
+            <a:endParaRPr lang="en-US" altLang="ko-KR" dirty="0" smtClean="0">
+              <a:latin typeface="나눔스퀘어 네오 OTF Regular" panose="00000500000000000000" pitchFamily="50" charset="-127"/>
+              <a:ea typeface="나눔스퀘어 네오 OTF Regular" panose="00000500000000000000" pitchFamily="50" charset="-127"/>
+            </a:endParaRPr>
           </a:p>
           <a:p>
             <a:pPr marL="514350" indent="-514350">
               <a:buAutoNum type="arabicPeriod"/>
             </a:pPr>
-            <a:r>
-              <a:rPr lang="ko-KR" altLang="en-US" dirty="0">
-                <a:solidFill>
-                  <a:srgbClr val="FF0000"/>
-                </a:solidFill>
-                <a:latin typeface="나눔스퀘어 네오 OTF Regular" panose="00000500000000000000" pitchFamily="50" charset="-127"/>
-                <a:ea typeface="나눔스퀘어 네오 OTF Regular" panose="00000500000000000000" pitchFamily="50" charset="-127"/>
-              </a:rPr>
-              <a:t>재미가 있다</a:t>
-            </a:r>
-            <a:r>
-              <a:rPr lang="en-US" altLang="ko-KR" dirty="0">
-                <a:solidFill>
-                  <a:srgbClr val="FF0000"/>
-                </a:solidFill>
-                <a:latin typeface="나눔스퀘어 네오 OTF Regular" panose="00000500000000000000" pitchFamily="50" charset="-127"/>
-                <a:ea typeface="나눔스퀘어 네오 OTF Regular" panose="00000500000000000000" pitchFamily="50" charset="-127"/>
-              </a:rPr>
-              <a:t>. </a:t>
-            </a:r>
-            <a:r>
-              <a:rPr lang="en-US" altLang="ko-KR" dirty="0">
-                <a:latin typeface="나눔스퀘어 네오 OTF Regular" panose="00000500000000000000" pitchFamily="50" charset="-127"/>
-                <a:ea typeface="나눔스퀘어 네오 OTF Regular" panose="00000500000000000000" pitchFamily="50" charset="-127"/>
-              </a:rPr>
-              <a:t>(</a:t>
-            </a:r>
-            <a:r>
-              <a:rPr lang="ko-KR" altLang="en-US" dirty="0">
-                <a:latin typeface="나눔스퀘어 네오 OTF Regular" panose="00000500000000000000" pitchFamily="50" charset="-127"/>
-                <a:ea typeface="나눔스퀘어 네오 OTF Regular" panose="00000500000000000000" pitchFamily="50" charset="-127"/>
-              </a:rPr>
-              <a:t>신발을 다양한 각도로 돌리면서</a:t>
-            </a:r>
-            <a:r>
-              <a:rPr lang="en-US" altLang="ko-KR" dirty="0">
-                <a:latin typeface="나눔스퀘어 네오 OTF Regular" panose="00000500000000000000" pitchFamily="50" charset="-127"/>
-                <a:ea typeface="나눔스퀘어 네오 OTF Regular" panose="00000500000000000000" pitchFamily="50" charset="-127"/>
-              </a:rPr>
-              <a:t>.)</a:t>
-            </a:r>
+            <a:endParaRPr lang="en-US" altLang="ko-KR" dirty="0" smtClean="0">
+              <a:latin typeface="나눔스퀘어 네오 OTF Regular" panose="00000500000000000000" pitchFamily="50" charset="-127"/>
+              <a:ea typeface="나눔스퀘어 네오 OTF Regular" panose="00000500000000000000" pitchFamily="50" charset="-127"/>
+            </a:endParaRPr>
           </a:p>
           <a:p>
             <a:pPr marL="514350" indent="-514350">
@@ -4174,55 +4046,6 @@
               <a:latin typeface="나눔스퀘어 네오 OTF Regular" panose="00000500000000000000" pitchFamily="50" charset="-127"/>
               <a:ea typeface="나눔스퀘어 네오 OTF Regular" panose="00000500000000000000" pitchFamily="50" charset="-127"/>
             </a:endParaRPr>
-          </a:p>
-          <a:p>
-            <a:pPr marL="0" indent="0">
-              <a:buNone/>
-            </a:pPr>
-            <a:r>
-              <a:rPr lang="ko-KR" altLang="en-US" dirty="0">
-                <a:latin typeface="나눔스퀘어 네오 OTF Regular" panose="00000500000000000000" pitchFamily="50" charset="-127"/>
-                <a:ea typeface="나눔스퀘어 네오 OTF Regular" panose="00000500000000000000" pitchFamily="50" charset="-127"/>
-              </a:rPr>
-              <a:t>필요성</a:t>
-            </a:r>
-            <a:endParaRPr lang="en-US" altLang="ko-KR" dirty="0">
-              <a:latin typeface="나눔스퀘어 네오 OTF Regular" panose="00000500000000000000" pitchFamily="50" charset="-127"/>
-              <a:ea typeface="나눔스퀘어 네오 OTF Regular" panose="00000500000000000000" pitchFamily="50" charset="-127"/>
-            </a:endParaRPr>
-          </a:p>
-          <a:p>
-            <a:pPr marL="514350" indent="-514350">
-              <a:buAutoNum type="arabicPeriod"/>
-            </a:pPr>
-            <a:r>
-              <a:rPr lang="ko-KR" altLang="en-US" dirty="0">
-                <a:latin typeface="나눔스퀘어 네오 OTF Regular" panose="00000500000000000000" pitchFamily="50" charset="-127"/>
-                <a:ea typeface="나눔스퀘어 네오 OTF Regular" panose="00000500000000000000" pitchFamily="50" charset="-127"/>
-              </a:rPr>
-              <a:t>기존의 신발 쇼핑몰은 </a:t>
-            </a:r>
-            <a:r>
-              <a:rPr lang="en-US" altLang="ko-KR" dirty="0">
-                <a:latin typeface="나눔스퀘어 네오 OTF Regular" panose="00000500000000000000" pitchFamily="50" charset="-127"/>
-                <a:ea typeface="나눔스퀘어 네오 OTF Regular" panose="00000500000000000000" pitchFamily="50" charset="-127"/>
-              </a:rPr>
-              <a:t>2D </a:t>
-            </a:r>
-            <a:r>
-              <a:rPr lang="ko-KR" altLang="en-US" dirty="0">
-                <a:latin typeface="나눔스퀘어 네오 OTF Regular" panose="00000500000000000000" pitchFamily="50" charset="-127"/>
-                <a:ea typeface="나눔스퀘어 네오 OTF Regular" panose="00000500000000000000" pitchFamily="50" charset="-127"/>
-              </a:rPr>
-              <a:t>밖에 없다</a:t>
-            </a:r>
-            <a:r>
-              <a:rPr lang="en-US" altLang="ko-KR" dirty="0">
-                <a:latin typeface="나눔스퀘어 네오 OTF Regular" panose="00000500000000000000" pitchFamily="50" charset="-127"/>
-                <a:ea typeface="나눔스퀘어 네오 OTF Regular" panose="00000500000000000000" pitchFamily="50" charset="-127"/>
-              </a:rPr>
-              <a:t>. </a:t>
-            </a:r>
           </a:p>
           <a:p>
             <a:pPr marL="0" indent="0">
@@ -4245,6 +4068,13 @@
   <p:clrMapOvr>
     <a:masterClrMapping/>
   </p:clrMapOvr>
+  <p:timing>
+    <p:tnLst>
+      <p:par>
+        <p:cTn id="1" dur="indefinite" restart="never" nodeType="tmRoot"/>
+      </p:par>
+    </p:tnLst>
+  </p:timing>
 </p:sld>
 </file>
 
@@ -4286,12 +4116,23 @@
           <a:lstStyle/>
           <a:p>
             <a:r>
-              <a:rPr lang="ko-KR" altLang="en-US" dirty="0">
+              <a:rPr lang="ko-KR" altLang="en-US" dirty="0" err="1" smtClean="0">
                 <a:latin typeface="나눔스퀘어 네오 OTF Regular" panose="00000500000000000000" pitchFamily="50" charset="-127"/>
                 <a:ea typeface="나눔스퀘어 네오 OTF Regular" panose="00000500000000000000" pitchFamily="50" charset="-127"/>
               </a:rPr>
-              <a:t>개발환경</a:t>
-            </a:r>
+              <a:t>구현</a:t>
+            </a:r>
+            <a:r>
+              <a:rPr lang="ko-KR" altLang="en-US" dirty="0" err="1" smtClean="0">
+                <a:latin typeface="나눔스퀘어 네오 OTF Regular" panose="00000500000000000000" pitchFamily="50" charset="-127"/>
+                <a:ea typeface="나눔스퀘어 네오 OTF Regular" panose="00000500000000000000" pitchFamily="50" charset="-127"/>
+              </a:rPr>
+              <a:t>환경</a:t>
+            </a:r>
+            <a:endParaRPr lang="ko-KR" altLang="en-US" dirty="0">
+              <a:latin typeface="나눔스퀘어 네오 OTF Regular" panose="00000500000000000000" pitchFamily="50" charset="-127"/>
+              <a:ea typeface="나눔스퀘어 네오 OTF Regular" panose="00000500000000000000" pitchFamily="50" charset="-127"/>
+            </a:endParaRPr>
           </a:p>
         </p:txBody>
       </p:sp>
@@ -4365,8 +4206,33 @@
                 <a:latin typeface="나눔스퀘어 네오 OTF Regular" panose="00000500000000000000" pitchFamily="50" charset="-127"/>
                 <a:ea typeface="나눔스퀘어 네오 OTF Regular" panose="00000500000000000000" pitchFamily="50" charset="-127"/>
               </a:rPr>
-              <a:t>, REST API</a:t>
-            </a:r>
+              <a:t>, REST </a:t>
+            </a:r>
+            <a:r>
+              <a:rPr lang="en-US" altLang="ko-KR" dirty="0" smtClean="0">
+                <a:latin typeface="나눔스퀘어 네오 OTF Regular" panose="00000500000000000000" pitchFamily="50" charset="-127"/>
+                <a:ea typeface="나눔스퀘어 네오 OTF Regular" panose="00000500000000000000" pitchFamily="50" charset="-127"/>
+              </a:rPr>
+              <a:t>API, </a:t>
+            </a:r>
+            <a:r>
+              <a:rPr lang="ko-KR" altLang="en-US" dirty="0" smtClean="0">
+                <a:latin typeface="나눔스퀘어 네오 OTF Regular" panose="00000500000000000000" pitchFamily="50" charset="-127"/>
+                <a:ea typeface="나눔스퀘어 네오 OTF Regular" panose="00000500000000000000" pitchFamily="50" charset="-127"/>
+              </a:rPr>
+              <a:t>카카오 지도 </a:t>
+            </a:r>
+            <a:r>
+              <a:rPr lang="en-US" altLang="ko-KR" dirty="0" smtClean="0">
+                <a:latin typeface="나눔스퀘어 네오 OTF Regular" panose="00000500000000000000" pitchFamily="50" charset="-127"/>
+                <a:ea typeface="나눔스퀘어 네오 OTF Regular" panose="00000500000000000000" pitchFamily="50" charset="-127"/>
+              </a:rPr>
+              <a:t>API</a:t>
+            </a:r>
+            <a:endParaRPr lang="en-US" altLang="ko-KR" dirty="0">
+              <a:latin typeface="나눔스퀘어 네오 OTF Regular" panose="00000500000000000000" pitchFamily="50" charset="-127"/>
+              <a:ea typeface="나눔스퀘어 네오 OTF Regular" panose="00000500000000000000" pitchFamily="50" charset="-127"/>
+            </a:endParaRPr>
           </a:p>
           <a:p>
             <a:pPr marL="0" indent="0">
@@ -4517,18 +4383,48 @@
             <p:ph type="title"/>
           </p:nvPr>
         </p:nvSpPr>
-        <p:spPr/>
-        <p:txBody>
-          <a:bodyPr/>
-          <a:lstStyle/>
-          <a:p>
-            <a:r>
-              <a:rPr lang="ko-KR" altLang="en-US" dirty="0">
+        <p:spPr>
+          <a:xfrm>
+            <a:off x="441037" y="222972"/>
+            <a:ext cx="10515600" cy="1325563"/>
+          </a:xfrm>
+        </p:spPr>
+        <p:txBody>
+          <a:bodyPr/>
+          <a:lstStyle/>
+          <a:p>
+            <a:r>
+              <a:rPr lang="ko-KR" altLang="en-US" dirty="0" smtClean="0">
                 <a:latin typeface="나눔스퀘어 네오 OTF Regular" panose="00000500000000000000" pitchFamily="50" charset="-127"/>
                 <a:ea typeface="나눔스퀘어 네오 OTF Regular" panose="00000500000000000000" pitchFamily="50" charset="-127"/>
               </a:rPr>
-              <a:t>업무분장</a:t>
-            </a:r>
+              <a:t>화면 설계 </a:t>
+            </a:r>
+            <a:r>
+              <a:rPr lang="en-US" altLang="ko-KR" dirty="0" smtClean="0">
+                <a:latin typeface="나눔스퀘어 네오 OTF Regular" panose="00000500000000000000" pitchFamily="50" charset="-127"/>
+                <a:ea typeface="나눔스퀘어 네오 OTF Regular" panose="00000500000000000000" pitchFamily="50" charset="-127"/>
+              </a:rPr>
+              <a:t>(</a:t>
+            </a:r>
+            <a:r>
+              <a:rPr lang="ko-KR" altLang="en-US" dirty="0" err="1" smtClean="0">
+                <a:latin typeface="나눔스퀘어 네오 OTF Regular" panose="00000500000000000000" pitchFamily="50" charset="-127"/>
+                <a:ea typeface="나눔스퀘어 네오 OTF Regular" panose="00000500000000000000" pitchFamily="50" charset="-127"/>
+              </a:rPr>
+              <a:t>기능설계</a:t>
+            </a:r>
+            <a:r>
+              <a:rPr lang="en-US" altLang="ko-KR" dirty="0" smtClean="0">
+                <a:latin typeface="나눔스퀘어 네오 OTF Regular" panose="00000500000000000000" pitchFamily="50" charset="-127"/>
+                <a:ea typeface="나눔스퀘어 네오 OTF Regular" panose="00000500000000000000" pitchFamily="50" charset="-127"/>
+              </a:rPr>
+              <a:t>)</a:t>
+            </a:r>
+            <a:endParaRPr lang="ko-KR" altLang="en-US" dirty="0">
+              <a:latin typeface="나눔스퀘어 네오 OTF Regular" panose="00000500000000000000" pitchFamily="50" charset="-127"/>
+              <a:ea typeface="나눔스퀘어 네오 OTF Regular" panose="00000500000000000000" pitchFamily="50" charset="-127"/>
+            </a:endParaRPr>
           </a:p>
         </p:txBody>
       </p:sp>
@@ -4544,7 +4440,7 @@
         </p:nvSpPr>
         <p:spPr>
           <a:xfrm>
-            <a:off x="838200" y="1796597"/>
+            <a:off x="441037" y="1548535"/>
             <a:ext cx="10515600" cy="4351338"/>
           </a:xfrm>
         </p:spPr>
@@ -4552,134 +4448,46 @@
           <a:bodyPr/>
           <a:lstStyle/>
           <a:p>
-            <a:pPr marL="0" indent="0">
-              <a:buNone/>
+            <a:pPr marL="514350" indent="-514350">
+              <a:buAutoNum type="arabicPeriod"/>
             </a:pPr>
             <a:r>
-              <a:rPr lang="ko-KR" altLang="en-US" dirty="0">
+              <a:rPr lang="ko-KR" altLang="en-US" dirty="0" smtClean="0">
                 <a:latin typeface="나눔스퀘어 네오 OTF Regular" panose="00000500000000000000" pitchFamily="50" charset="-127"/>
                 <a:ea typeface="나눔스퀘어 네오 OTF Regular" panose="00000500000000000000" pitchFamily="50" charset="-127"/>
               </a:rPr>
-              <a:t>백 </a:t>
-            </a:r>
-            <a:r>
-              <a:rPr lang="ko-KR" altLang="en-US" dirty="0" err="1">
+              <a:t>블랙 컴퍼니 메뉴 </a:t>
+            </a:r>
+            <a:r>
+              <a:rPr lang="en-US" altLang="ko-KR" dirty="0" smtClean="0">
                 <a:latin typeface="나눔스퀘어 네오 OTF Regular" panose="00000500000000000000" pitchFamily="50" charset="-127"/>
                 <a:ea typeface="나눔스퀘어 네오 OTF Regular" panose="00000500000000000000" pitchFamily="50" charset="-127"/>
               </a:rPr>
-              <a:t>엔드</a:t>
-            </a:r>
-            <a:r>
-              <a:rPr lang="ko-KR" altLang="en-US" dirty="0">
+              <a:t>html </a:t>
+            </a:r>
+            <a:r>
+              <a:rPr lang="ko-KR" altLang="en-US" dirty="0" smtClean="0">
                 <a:latin typeface="나눔스퀘어 네오 OTF Regular" panose="00000500000000000000" pitchFamily="50" charset="-127"/>
                 <a:ea typeface="나눔스퀘어 네오 OTF Regular" panose="00000500000000000000" pitchFamily="50" charset="-127"/>
               </a:rPr>
-              <a:t> </a:t>
-            </a:r>
-            <a:r>
-              <a:rPr lang="en-US" altLang="ko-KR" dirty="0">
+              <a:t>사진</a:t>
+            </a:r>
+            <a:endParaRPr lang="en-US" altLang="ko-KR" dirty="0" smtClean="0">
+              <a:latin typeface="나눔스퀘어 네오 OTF Regular" panose="00000500000000000000" pitchFamily="50" charset="-127"/>
+              <a:ea typeface="나눔스퀘어 네오 OTF Regular" panose="00000500000000000000" pitchFamily="50" charset="-127"/>
+            </a:endParaRPr>
+          </a:p>
+          <a:p>
+            <a:pPr marL="0" indent="0">
+              <a:buNone/>
+            </a:pPr>
+            <a:r>
+              <a:rPr lang="en-US" altLang="ko-KR" dirty="0" smtClean="0">
                 <a:latin typeface="나눔스퀘어 네오 OTF Regular" panose="00000500000000000000" pitchFamily="50" charset="-127"/>
                 <a:ea typeface="나눔스퀘어 네오 OTF Regular" panose="00000500000000000000" pitchFamily="50" charset="-127"/>
               </a:rPr>
-              <a:t>: </a:t>
-            </a:r>
-            <a:r>
-              <a:rPr lang="ko-KR" altLang="en-US" dirty="0">
-                <a:latin typeface="나눔스퀘어 네오 OTF Regular" panose="00000500000000000000" pitchFamily="50" charset="-127"/>
-                <a:ea typeface="나눔스퀘어 네오 OTF Regular" panose="00000500000000000000" pitchFamily="50" charset="-127"/>
-              </a:rPr>
-              <a:t>박종현</a:t>
-            </a:r>
-            <a:r>
-              <a:rPr lang="en-US" altLang="ko-KR" dirty="0">
-                <a:latin typeface="나눔스퀘어 네오 OTF Regular" panose="00000500000000000000" pitchFamily="50" charset="-127"/>
-                <a:ea typeface="나눔스퀘어 네오 OTF Regular" panose="00000500000000000000" pitchFamily="50" charset="-127"/>
-              </a:rPr>
-              <a:t>, </a:t>
-            </a:r>
-            <a:r>
-              <a:rPr lang="ko-KR" altLang="en-US" dirty="0">
-                <a:latin typeface="나눔스퀘어 네오 OTF Regular" panose="00000500000000000000" pitchFamily="50" charset="-127"/>
-                <a:ea typeface="나눔스퀘어 네오 OTF Regular" panose="00000500000000000000" pitchFamily="50" charset="-127"/>
-              </a:rPr>
-              <a:t>김태욱</a:t>
-            </a:r>
-            <a:endParaRPr lang="en-US" altLang="ko-KR" dirty="0">
-              <a:latin typeface="나눔스퀘어 네오 OTF Regular" panose="00000500000000000000" pitchFamily="50" charset="-127"/>
-              <a:ea typeface="나눔스퀘어 네오 OTF Regular" panose="00000500000000000000" pitchFamily="50" charset="-127"/>
-            </a:endParaRPr>
-          </a:p>
-          <a:p>
-            <a:pPr marL="0" indent="0">
-              <a:buNone/>
-            </a:pPr>
-            <a:r>
-              <a:rPr lang="ko-KR" altLang="en-US" dirty="0">
-                <a:latin typeface="나눔스퀘어 네오 OTF Regular" panose="00000500000000000000" pitchFamily="50" charset="-127"/>
-                <a:ea typeface="나눔스퀘어 네오 OTF Regular" panose="00000500000000000000" pitchFamily="50" charset="-127"/>
-              </a:rPr>
-              <a:t>프론트 </a:t>
-            </a:r>
-            <a:r>
-              <a:rPr lang="ko-KR" altLang="en-US" dirty="0" err="1">
-                <a:latin typeface="나눔스퀘어 네오 OTF Regular" panose="00000500000000000000" pitchFamily="50" charset="-127"/>
-                <a:ea typeface="나눔스퀘어 네오 OTF Regular" panose="00000500000000000000" pitchFamily="50" charset="-127"/>
-              </a:rPr>
-              <a:t>엔드</a:t>
-            </a:r>
-            <a:r>
-              <a:rPr lang="ko-KR" altLang="en-US" dirty="0">
-                <a:latin typeface="나눔스퀘어 네오 OTF Regular" panose="00000500000000000000" pitchFamily="50" charset="-127"/>
-                <a:ea typeface="나눔스퀘어 네오 OTF Regular" panose="00000500000000000000" pitchFamily="50" charset="-127"/>
-              </a:rPr>
-              <a:t> </a:t>
-            </a:r>
-            <a:r>
-              <a:rPr lang="en-US" altLang="ko-KR" dirty="0">
-                <a:latin typeface="나눔스퀘어 네오 OTF Regular" panose="00000500000000000000" pitchFamily="50" charset="-127"/>
-                <a:ea typeface="나눔스퀘어 네오 OTF Regular" panose="00000500000000000000" pitchFamily="50" charset="-127"/>
-              </a:rPr>
-              <a:t>: </a:t>
-            </a:r>
-            <a:r>
-              <a:rPr lang="ko-KR" altLang="en-US" dirty="0" err="1">
-                <a:latin typeface="나눔스퀘어 네오 OTF Regular" panose="00000500000000000000" pitchFamily="50" charset="-127"/>
-                <a:ea typeface="나눔스퀘어 네오 OTF Regular" panose="00000500000000000000" pitchFamily="50" charset="-127"/>
-              </a:rPr>
-              <a:t>강준성</a:t>
-            </a:r>
-            <a:r>
-              <a:rPr lang="en-US" altLang="ko-KR" dirty="0">
-                <a:latin typeface="나눔스퀘어 네오 OTF Regular" panose="00000500000000000000" pitchFamily="50" charset="-127"/>
-                <a:ea typeface="나눔스퀘어 네오 OTF Regular" panose="00000500000000000000" pitchFamily="50" charset="-127"/>
-              </a:rPr>
-              <a:t>, </a:t>
-            </a:r>
-            <a:r>
-              <a:rPr lang="ko-KR" altLang="en-US" dirty="0">
-                <a:latin typeface="나눔스퀘어 네오 OTF Regular" panose="00000500000000000000" pitchFamily="50" charset="-127"/>
-                <a:ea typeface="나눔스퀘어 네오 OTF Regular" panose="00000500000000000000" pitchFamily="50" charset="-127"/>
-              </a:rPr>
-              <a:t>박형근</a:t>
-            </a:r>
-            <a:r>
-              <a:rPr lang="en-US" altLang="ko-KR" dirty="0">
-                <a:latin typeface="나눔스퀘어 네오 OTF Regular" panose="00000500000000000000" pitchFamily="50" charset="-127"/>
-                <a:ea typeface="나눔스퀘어 네오 OTF Regular" panose="00000500000000000000" pitchFamily="50" charset="-127"/>
-              </a:rPr>
-              <a:t>, </a:t>
-            </a:r>
-            <a:r>
-              <a:rPr lang="ko-KR" altLang="en-US" dirty="0" err="1">
-                <a:latin typeface="나눔스퀘어 네오 OTF Regular" panose="00000500000000000000" pitchFamily="50" charset="-127"/>
-                <a:ea typeface="나눔스퀘어 네오 OTF Regular" panose="00000500000000000000" pitchFamily="50" charset="-127"/>
-              </a:rPr>
-              <a:t>노일환</a:t>
-            </a:r>
-            <a:endParaRPr lang="en-US" altLang="ko-KR" dirty="0">
-              <a:latin typeface="나눔스퀘어 네오 OTF Regular" panose="00000500000000000000" pitchFamily="50" charset="-127"/>
-              <a:ea typeface="나눔스퀘어 네오 OTF Regular" panose="00000500000000000000" pitchFamily="50" charset="-127"/>
-            </a:endParaRPr>
+              <a:t>2. </a:t>
+            </a:r>
           </a:p>
           <a:p>
             <a:pPr marL="0" indent="0">
@@ -4690,27 +4498,25 @@
               <a:ea typeface="나눔스퀘어 네오 OTF Regular" panose="00000500000000000000" pitchFamily="50" charset="-127"/>
             </a:endParaRPr>
           </a:p>
-          <a:p>
-            <a:pPr marL="0" indent="0">
-              <a:buNone/>
-            </a:pPr>
-            <a:endParaRPr lang="en-US" altLang="ko-KR" dirty="0">
-              <a:latin typeface="나눔스퀘어 네오 OTF Regular" panose="00000500000000000000" pitchFamily="50" charset="-127"/>
-              <a:ea typeface="나눔스퀘어 네오 OTF Regular" panose="00000500000000000000" pitchFamily="50" charset="-127"/>
-            </a:endParaRPr>
-          </a:p>
         </p:txBody>
       </p:sp>
     </p:spTree>
     <p:extLst>
       <p:ext uri="{BB962C8B-B14F-4D97-AF65-F5344CB8AC3E}">
-        <p14:creationId xmlns:p14="http://schemas.microsoft.com/office/powerpoint/2010/main" val="2366540834"/>
+        <p14:creationId xmlns:p14="http://schemas.microsoft.com/office/powerpoint/2010/main" val="3435640096"/>
       </p:ext>
     </p:extLst>
   </p:cSld>
   <p:clrMapOvr>
     <a:masterClrMapping/>
   </p:clrMapOvr>
+  <p:timing>
+    <p:tnLst>
+      <p:par>
+        <p:cTn id="1" dur="indefinite" restart="never" nodeType="tmRoot"/>
+      </p:par>
+    </p:tnLst>
+  </p:timing>
 </p:sld>
 </file>
 
@@ -4741,27 +4547,20 @@
             <p:ph type="title"/>
           </p:nvPr>
         </p:nvSpPr>
-        <p:spPr>
-          <a:xfrm>
-            <a:off x="441037" y="222972"/>
-            <a:ext cx="10515600" cy="1325563"/>
-          </a:xfrm>
-        </p:spPr>
-        <p:txBody>
-          <a:bodyPr/>
-          <a:lstStyle/>
-          <a:p>
-            <a:r>
-              <a:rPr lang="ko-KR" altLang="en-US" dirty="0" err="1">
-                <a:latin typeface="나눔스퀘어 네오 OTF Regular" panose="00000500000000000000" pitchFamily="50" charset="-127"/>
-                <a:ea typeface="나눔스퀘어 네오 OTF Regular" panose="00000500000000000000" pitchFamily="50" charset="-127"/>
-              </a:rPr>
-              <a:t>개발일정</a:t>
-            </a:r>
-            <a:endParaRPr lang="ko-KR" altLang="en-US" dirty="0">
-              <a:latin typeface="나눔스퀘어 네오 OTF Regular" panose="00000500000000000000" pitchFamily="50" charset="-127"/>
-              <a:ea typeface="나눔스퀘어 네오 OTF Regular" panose="00000500000000000000" pitchFamily="50" charset="-127"/>
-            </a:endParaRPr>
+        <p:spPr/>
+        <p:txBody>
+          <a:bodyPr/>
+          <a:lstStyle/>
+          <a:p>
+            <a:r>
+              <a:rPr lang="ko-KR" altLang="en-US" dirty="0" smtClean="0"/>
+              <a:t>화면 설계 </a:t>
+            </a:r>
+            <a:r>
+              <a:rPr lang="en-US" altLang="ko-KR" dirty="0" smtClean="0"/>
+              <a:t>2</a:t>
+            </a:r>
+            <a:endParaRPr lang="ko-KR" altLang="en-US" dirty="0"/>
           </a:p>
         </p:txBody>
       </p:sp>
@@ -4775,379 +4574,25 @@
             <p:ph idx="1"/>
           </p:nvPr>
         </p:nvSpPr>
-        <p:spPr>
-          <a:xfrm>
-            <a:off x="441037" y="1548535"/>
-            <a:ext cx="10515600" cy="4351338"/>
-          </a:xfrm>
-        </p:spPr>
-        <p:txBody>
-          <a:bodyPr/>
-          <a:lstStyle/>
-          <a:p>
-            <a:pPr marL="0" indent="0">
-              <a:buNone/>
-            </a:pPr>
-            <a:r>
-              <a:rPr lang="ko-KR" altLang="en-US" dirty="0">
-                <a:latin typeface="나눔스퀘어 네오 OTF Regular" panose="00000500000000000000" pitchFamily="50" charset="-127"/>
-                <a:ea typeface="나눔스퀘어 네오 OTF Regular" panose="00000500000000000000" pitchFamily="50" charset="-127"/>
-              </a:rPr>
-              <a:t>여름방학 전 </a:t>
-            </a:r>
-            <a:r>
-              <a:rPr lang="en-US" altLang="ko-KR" dirty="0">
-                <a:latin typeface="나눔스퀘어 네오 OTF Regular" panose="00000500000000000000" pitchFamily="50" charset="-127"/>
-                <a:ea typeface="나눔스퀘어 네오 OTF Regular" panose="00000500000000000000" pitchFamily="50" charset="-127"/>
-              </a:rPr>
-              <a:t>: </a:t>
-            </a:r>
-            <a:r>
-              <a:rPr lang="ko-KR" altLang="en-US" dirty="0">
-                <a:latin typeface="나눔스퀘어 네오 OTF Regular" panose="00000500000000000000" pitchFamily="50" charset="-127"/>
-                <a:ea typeface="나눔스퀘어 네오 OTF Regular" panose="00000500000000000000" pitchFamily="50" charset="-127"/>
-              </a:rPr>
-              <a:t>요구사항 분석 및 </a:t>
-            </a:r>
-            <a:r>
-              <a:rPr lang="ko-KR" altLang="en-US" dirty="0" err="1">
-                <a:latin typeface="나눔스퀘어 네오 OTF Regular" panose="00000500000000000000" pitchFamily="50" charset="-127"/>
-                <a:ea typeface="나눔스퀘어 네오 OTF Regular" panose="00000500000000000000" pitchFamily="50" charset="-127"/>
-              </a:rPr>
-              <a:t>설계단계</a:t>
-            </a:r>
-            <a:endParaRPr lang="en-US" altLang="ko-KR" dirty="0">
-              <a:latin typeface="나눔스퀘어 네오 OTF Regular" panose="00000500000000000000" pitchFamily="50" charset="-127"/>
-              <a:ea typeface="나눔스퀘어 네오 OTF Regular" panose="00000500000000000000" pitchFamily="50" charset="-127"/>
-            </a:endParaRPr>
-          </a:p>
-          <a:p>
-            <a:pPr marL="0" indent="0">
-              <a:buNone/>
-            </a:pPr>
-            <a:r>
-              <a:rPr lang="ko-KR" altLang="en-US" dirty="0">
-                <a:latin typeface="나눔스퀘어 네오 OTF Regular" panose="00000500000000000000" pitchFamily="50" charset="-127"/>
-                <a:ea typeface="나눔스퀘어 네오 OTF Regular" panose="00000500000000000000" pitchFamily="50" charset="-127"/>
-              </a:rPr>
-              <a:t>여름방학 </a:t>
-            </a:r>
-            <a:r>
-              <a:rPr lang="en-US" altLang="ko-KR" dirty="0">
-                <a:latin typeface="나눔스퀘어 네오 OTF Regular" panose="00000500000000000000" pitchFamily="50" charset="-127"/>
-                <a:ea typeface="나눔스퀘어 네오 OTF Regular" panose="00000500000000000000" pitchFamily="50" charset="-127"/>
-              </a:rPr>
-              <a:t>:</a:t>
-            </a:r>
-            <a:r>
-              <a:rPr lang="ko-KR" altLang="en-US" dirty="0">
-                <a:latin typeface="나눔스퀘어 네오 OTF Regular" panose="00000500000000000000" pitchFamily="50" charset="-127"/>
-                <a:ea typeface="나눔스퀘어 네오 OTF Regular" panose="00000500000000000000" pitchFamily="50" charset="-127"/>
-              </a:rPr>
-              <a:t> 구현 단계</a:t>
-            </a:r>
-            <a:endParaRPr lang="en-US" altLang="ko-KR" dirty="0">
-              <a:latin typeface="나눔스퀘어 네오 OTF Regular" panose="00000500000000000000" pitchFamily="50" charset="-127"/>
-              <a:ea typeface="나눔스퀘어 네오 OTF Regular" panose="00000500000000000000" pitchFamily="50" charset="-127"/>
-            </a:endParaRPr>
-          </a:p>
-        </p:txBody>
-      </p:sp>
-      <p:pic>
-        <p:nvPicPr>
-          <p:cNvPr id="9" name="그림 8">
-            <a:extLst>
-              <a:ext uri="{FF2B5EF4-FFF2-40B4-BE49-F238E27FC236}">
-                <a16:creationId xmlns:a16="http://schemas.microsoft.com/office/drawing/2014/main" id="{24EAFCB0-47FD-E446-EDA6-9AB03813A79D}"/>
-              </a:ext>
-            </a:extLst>
-          </p:cNvPr>
-          <p:cNvPicPr>
-            <a:picLocks noChangeAspect="1"/>
-          </p:cNvPicPr>
-          <p:nvPr/>
-        </p:nvPicPr>
-        <p:blipFill>
-          <a:blip r:embed="rId2"/>
-          <a:stretch>
-            <a:fillRect/>
-          </a:stretch>
-        </p:blipFill>
-        <p:spPr>
-          <a:xfrm>
-            <a:off x="209384" y="2603785"/>
-            <a:ext cx="7877428" cy="4051836"/>
-          </a:xfrm>
-          <a:prstGeom prst="rect">
-            <a:avLst/>
-          </a:prstGeom>
-        </p:spPr>
-      </p:pic>
-      <p:pic>
-        <p:nvPicPr>
-          <p:cNvPr id="7" name="그림 6">
-            <a:extLst>
-              <a:ext uri="{FF2B5EF4-FFF2-40B4-BE49-F238E27FC236}">
-                <a16:creationId xmlns:a16="http://schemas.microsoft.com/office/drawing/2014/main" id="{BB60F371-E710-D91C-7326-8062569D893F}"/>
-              </a:ext>
-            </a:extLst>
-          </p:cNvPr>
-          <p:cNvPicPr>
-            <a:picLocks noChangeAspect="1"/>
-          </p:cNvPicPr>
-          <p:nvPr/>
-        </p:nvPicPr>
-        <p:blipFill>
-          <a:blip r:embed="rId3"/>
-          <a:stretch>
-            <a:fillRect/>
-          </a:stretch>
-        </p:blipFill>
-        <p:spPr>
-          <a:xfrm>
-            <a:off x="5652151" y="2304283"/>
-            <a:ext cx="6330465" cy="4487499"/>
-          </a:xfrm>
-          <a:prstGeom prst="rect">
-            <a:avLst/>
-          </a:prstGeom>
-        </p:spPr>
-      </p:pic>
-      <p:pic>
-        <p:nvPicPr>
-          <p:cNvPr id="5" name="그림 4" descr="도표이(가) 표시된 사진&#10;&#10;자동 생성된 설명">
-            <a:extLst>
-              <a:ext uri="{FF2B5EF4-FFF2-40B4-BE49-F238E27FC236}">
-                <a16:creationId xmlns:a16="http://schemas.microsoft.com/office/drawing/2014/main" id="{4612ED50-73D6-1A76-5D0F-20028FD11637}"/>
-              </a:ext>
-            </a:extLst>
-          </p:cNvPr>
-          <p:cNvPicPr>
-            <a:picLocks noChangeAspect="1"/>
-          </p:cNvPicPr>
-          <p:nvPr/>
-        </p:nvPicPr>
-        <p:blipFill>
-          <a:blip r:embed="rId4">
-            <a:extLst>
-              <a:ext uri="{28A0092B-C50C-407E-A947-70E740481C1C}">
-                <a14:useLocalDpi xmlns:a14="http://schemas.microsoft.com/office/drawing/2010/main" val="0"/>
-              </a:ext>
-            </a:extLst>
-          </a:blip>
-          <a:stretch>
-            <a:fillRect/>
-          </a:stretch>
-        </p:blipFill>
-        <p:spPr>
-          <a:xfrm>
-            <a:off x="7017180" y="72325"/>
-            <a:ext cx="4870020" cy="6719457"/>
-          </a:xfrm>
-          <a:prstGeom prst="rect">
-            <a:avLst/>
-          </a:prstGeom>
-        </p:spPr>
-      </p:pic>
+        <p:spPr/>
+        <p:txBody>
+          <a:bodyPr/>
+          <a:lstStyle/>
+          <a:p>
+            <a:endParaRPr lang="ko-KR" altLang="en-US"/>
+          </a:p>
+        </p:txBody>
+      </p:sp>
     </p:spTree>
     <p:extLst>
       <p:ext uri="{BB962C8B-B14F-4D97-AF65-F5344CB8AC3E}">
-        <p14:creationId xmlns:p14="http://schemas.microsoft.com/office/powerpoint/2010/main" val="3435640096"/>
+        <p14:creationId xmlns:p14="http://schemas.microsoft.com/office/powerpoint/2010/main" val="377539057"/>
       </p:ext>
     </p:extLst>
   </p:cSld>
   <p:clrMapOvr>
     <a:masterClrMapping/>
   </p:clrMapOvr>
-  <p:timing>
-    <p:tnLst>
-      <p:par>
-        <p:cTn id="1" dur="indefinite" restart="never" nodeType="tmRoot">
-          <p:childTnLst>
-            <p:seq concurrent="1" nextAc="seek">
-              <p:cTn id="2" dur="indefinite" nodeType="mainSeq">
-                <p:childTnLst>
-                  <p:par>
-                    <p:cTn id="3" fill="hold">
-                      <p:stCondLst>
-                        <p:cond delay="indefinite"/>
-                      </p:stCondLst>
-                      <p:childTnLst>
-                        <p:par>
-                          <p:cTn id="4" fill="hold">
-                            <p:stCondLst>
-                              <p:cond delay="0"/>
-                            </p:stCondLst>
-                            <p:childTnLst>
-                              <p:par>
-                                <p:cTn id="5" presetID="10" presetClass="entr" presetSubtype="0" fill="hold" nodeType="clickEffect">
-                                  <p:stCondLst>
-                                    <p:cond delay="0"/>
-                                  </p:stCondLst>
-                                  <p:childTnLst>
-                                    <p:set>
-                                      <p:cBhvr>
-                                        <p:cTn id="6" dur="1" fill="hold">
-                                          <p:stCondLst>
-                                            <p:cond delay="0"/>
-                                          </p:stCondLst>
-                                        </p:cTn>
-                                        <p:tgtEl>
-                                          <p:spTgt spid="9"/>
-                                        </p:tgtEl>
-                                        <p:attrNameLst>
-                                          <p:attrName>style.visibility</p:attrName>
-                                        </p:attrNameLst>
-                                      </p:cBhvr>
-                                      <p:to>
-                                        <p:strVal val="visible"/>
-                                      </p:to>
-                                    </p:set>
-                                    <p:animEffect transition="in" filter="fade">
-                                      <p:cBhvr>
-                                        <p:cTn id="7" dur="500"/>
-                                        <p:tgtEl>
-                                          <p:spTgt spid="9"/>
-                                        </p:tgtEl>
-                                      </p:cBhvr>
-                                    </p:animEffect>
-                                  </p:childTnLst>
-                                </p:cTn>
-                              </p:par>
-                            </p:childTnLst>
-                          </p:cTn>
-                        </p:par>
-                      </p:childTnLst>
-                    </p:cTn>
-                  </p:par>
-                  <p:par>
-                    <p:cTn id="8" fill="hold">
-                      <p:stCondLst>
-                        <p:cond delay="indefinite"/>
-                      </p:stCondLst>
-                      <p:childTnLst>
-                        <p:par>
-                          <p:cTn id="9" fill="hold">
-                            <p:stCondLst>
-                              <p:cond delay="0"/>
-                            </p:stCondLst>
-                            <p:childTnLst>
-                              <p:par>
-                                <p:cTn id="10" presetID="10" presetClass="entr" presetSubtype="0" fill="hold" nodeType="clickEffect">
-                                  <p:stCondLst>
-                                    <p:cond delay="0"/>
-                                  </p:stCondLst>
-                                  <p:childTnLst>
-                                    <p:set>
-                                      <p:cBhvr>
-                                        <p:cTn id="11" dur="1" fill="hold">
-                                          <p:stCondLst>
-                                            <p:cond delay="0"/>
-                                          </p:stCondLst>
-                                        </p:cTn>
-                                        <p:tgtEl>
-                                          <p:spTgt spid="7"/>
-                                        </p:tgtEl>
-                                        <p:attrNameLst>
-                                          <p:attrName>style.visibility</p:attrName>
-                                        </p:attrNameLst>
-                                      </p:cBhvr>
-                                      <p:to>
-                                        <p:strVal val="visible"/>
-                                      </p:to>
-                                    </p:set>
-                                    <p:animEffect transition="in" filter="fade">
-                                      <p:cBhvr>
-                                        <p:cTn id="12" dur="500"/>
-                                        <p:tgtEl>
-                                          <p:spTgt spid="7"/>
-                                        </p:tgtEl>
-                                      </p:cBhvr>
-                                    </p:animEffect>
-                                  </p:childTnLst>
-                                </p:cTn>
-                              </p:par>
-                            </p:childTnLst>
-                          </p:cTn>
-                        </p:par>
-                      </p:childTnLst>
-                    </p:cTn>
-                  </p:par>
-                  <p:par>
-                    <p:cTn id="13" fill="hold">
-                      <p:stCondLst>
-                        <p:cond delay="indefinite"/>
-                      </p:stCondLst>
-                      <p:childTnLst>
-                        <p:par>
-                          <p:cTn id="14" fill="hold">
-                            <p:stCondLst>
-                              <p:cond delay="0"/>
-                            </p:stCondLst>
-                            <p:childTnLst>
-                              <p:par>
-                                <p:cTn id="15" presetID="10" presetClass="entr" presetSubtype="0" fill="hold" nodeType="clickEffect">
-                                  <p:stCondLst>
-                                    <p:cond delay="0"/>
-                                  </p:stCondLst>
-                                  <p:childTnLst>
-                                    <p:set>
-                                      <p:cBhvr>
-                                        <p:cTn id="16" dur="1" fill="hold">
-                                          <p:stCondLst>
-                                            <p:cond delay="0"/>
-                                          </p:stCondLst>
-                                        </p:cTn>
-                                        <p:tgtEl>
-                                          <p:spTgt spid="5"/>
-                                        </p:tgtEl>
-                                        <p:attrNameLst>
-                                          <p:attrName>style.visibility</p:attrName>
-                                        </p:attrNameLst>
-                                      </p:cBhvr>
-                                      <p:to>
-                                        <p:strVal val="visible"/>
-                                      </p:to>
-                                    </p:set>
-                                    <p:animEffect transition="in" filter="fade">
-                                      <p:cBhvr>
-                                        <p:cTn id="17" dur="500"/>
-                                        <p:tgtEl>
-                                          <p:spTgt spid="5"/>
-                                        </p:tgtEl>
-                                      </p:cBhvr>
-                                    </p:animEffect>
-                                  </p:childTnLst>
-                                </p:cTn>
-                              </p:par>
-                            </p:childTnLst>
-                          </p:cTn>
-                        </p:par>
-                      </p:childTnLst>
-                    </p:cTn>
-                  </p:par>
-                </p:childTnLst>
-              </p:cTn>
-              <p:prevCondLst>
-                <p:cond evt="onPrev" delay="0">
-                  <p:tgtEl>
-                    <p:sldTgt/>
-                  </p:tgtEl>
-                </p:cond>
-              </p:prevCondLst>
-              <p:nextCondLst>
-                <p:cond evt="onNext" delay="0">
-                  <p:tgtEl>
-                    <p:sldTgt/>
-                  </p:tgtEl>
-                </p:cond>
-              </p:nextCondLst>
-            </p:seq>
-          </p:childTnLst>
-        </p:cTn>
-      </p:par>
-    </p:tnLst>
-  </p:timing>
 </p:sld>
 </file>
 
